--- a/x0000001_HiSLIP 通信プロトコルの概要と仕組み/450_HiSLIP_Timing_Chart.pptx
+++ b/x0000001_HiSLIP 通信プロトコルの概要と仕組み/450_HiSLIP_Timing_Chart.pptx
@@ -5,14 +5,13 @@
     <p:sldMasterId id="2147483648" r:id="rId1"/>
   </p:sldMasterIdLst>
   <p:notesMasterIdLst>
-    <p:notesMasterId r:id="rId7"/>
+    <p:notesMasterId r:id="rId6"/>
   </p:notesMasterIdLst>
   <p:sldIdLst>
-    <p:sldId id="260" r:id="rId2"/>
+    <p:sldId id="262" r:id="rId2"/>
     <p:sldId id="258" r:id="rId3"/>
     <p:sldId id="259" r:id="rId4"/>
     <p:sldId id="261" r:id="rId5"/>
-    <p:sldId id="257" r:id="rId6"/>
   </p:sldIdLst>
   <p:sldSz cx="12192000" cy="6858000"/>
   <p:notesSz cx="6858000" cy="9144000"/>
@@ -590,7 +589,7 @@
           <a:p>
             <a:fld id="{B6EC643A-FB82-460B-89F9-EC81F88236A9}" type="slidenum">
               <a:rPr kumimoji="1" lang="ja-JP" altLang="en-US" smtClean="0"/>
-              <a:t>5</a:t>
+              <a:t>1</a:t>
             </a:fld>
             <a:endParaRPr kumimoji="1" lang="ja-JP" altLang="en-US"/>
           </a:p>
@@ -599,7 +598,7 @@
     </p:spTree>
     <p:extLst>
       <p:ext uri="{BB962C8B-B14F-4D97-AF65-F5344CB8AC3E}">
-        <p14:creationId xmlns:p14="http://schemas.microsoft.com/office/powerpoint/2010/main" val="1071205918"/>
+        <p14:creationId xmlns:p14="http://schemas.microsoft.com/office/powerpoint/2010/main" val="429346409"/>
       </p:ext>
     </p:extLst>
   </p:cSld>
@@ -4113,35 +4112,454 @@
       </p:grpSpPr>
       <p:sp>
         <p:nvSpPr>
-          <p:cNvPr id="2" name="タイトル 1">
-            <a:extLst>
-              <a:ext uri="{FF2B5EF4-FFF2-40B4-BE49-F238E27FC236}">
-                <a16:creationId xmlns:a16="http://schemas.microsoft.com/office/drawing/2014/main" id="{204DE1B0-64BF-D66A-D9FD-0A8AE8AB12EB}"/>
-              </a:ext>
-            </a:extLst>
-          </p:cNvPr>
-          <p:cNvSpPr>
-            <a:spLocks noGrp="1"/>
-          </p:cNvSpPr>
-          <p:nvPr>
-            <p:ph type="title"/>
-          </p:nvPr>
-        </p:nvSpPr>
-        <p:spPr/>
-        <p:txBody>
-          <a:bodyPr/>
-          <a:lstStyle/>
-          <a:p>
-            <a:endParaRPr kumimoji="1" lang="ja-JP" altLang="en-US"/>
-          </a:p>
-        </p:txBody>
-      </p:sp>
+          <p:cNvPr id="2" name="正方形/長方形 1">
+            <a:extLst>
+              <a:ext uri="{FF2B5EF4-FFF2-40B4-BE49-F238E27FC236}">
+                <a16:creationId xmlns:a16="http://schemas.microsoft.com/office/drawing/2014/main" id="{69A5C45D-BED6-7954-811F-29A228CC598F}"/>
+              </a:ext>
+            </a:extLst>
+          </p:cNvPr>
+          <p:cNvSpPr/>
+          <p:nvPr/>
+        </p:nvSpPr>
+        <p:spPr>
+          <a:xfrm>
+            <a:off x="1965816" y="367102"/>
+            <a:ext cx="1152000" cy="288000"/>
+          </a:xfrm>
+          <a:prstGeom prst="rect">
+            <a:avLst/>
+          </a:prstGeom>
+          <a:solidFill>
+            <a:schemeClr val="bg1"/>
+          </a:solidFill>
+          <a:ln>
+            <a:solidFill>
+              <a:schemeClr val="tx1"/>
+            </a:solidFill>
+          </a:ln>
+        </p:spPr>
+        <p:style>
+          <a:lnRef idx="2">
+            <a:schemeClr val="accent1">
+              <a:shade val="50000"/>
+            </a:schemeClr>
+          </a:lnRef>
+          <a:fillRef idx="1">
+            <a:schemeClr val="accent1"/>
+          </a:fillRef>
+          <a:effectRef idx="0">
+            <a:schemeClr val="accent1"/>
+          </a:effectRef>
+          <a:fontRef idx="minor">
+            <a:schemeClr val="lt1"/>
+          </a:fontRef>
+        </p:style>
+        <p:txBody>
+          <a:bodyPr rtlCol="0" anchor="ctr"/>
+          <a:lstStyle/>
+          <a:p>
+            <a:pPr algn="ctr"/>
+            <a:r>
+              <a:rPr kumimoji="1" lang="en-US" altLang="ja-JP" sz="800" dirty="0">
+                <a:solidFill>
+                  <a:schemeClr val="tx1"/>
+                </a:solidFill>
+              </a:rPr>
+              <a:t>HiSLIP </a:t>
+            </a:r>
+            <a:r>
+              <a:rPr kumimoji="1" lang="ja-JP" altLang="en-US" sz="800" dirty="0">
+                <a:solidFill>
+                  <a:schemeClr val="tx1"/>
+                </a:solidFill>
+              </a:rPr>
+              <a:t>クライアント</a:t>
+            </a:r>
+          </a:p>
+        </p:txBody>
+      </p:sp>
+      <p:cxnSp>
+        <p:nvCxnSpPr>
+          <p:cNvPr id="4" name="直線コネクタ 3">
+            <a:extLst>
+              <a:ext uri="{FF2B5EF4-FFF2-40B4-BE49-F238E27FC236}">
+                <a16:creationId xmlns:a16="http://schemas.microsoft.com/office/drawing/2014/main" id="{0856E90C-C268-A21D-09C7-A7F0F30E705C}"/>
+              </a:ext>
+            </a:extLst>
+          </p:cNvPr>
+          <p:cNvCxnSpPr>
+            <a:cxnSpLocks/>
+            <a:stCxn id="2" idx="2"/>
+          </p:cNvCxnSpPr>
+          <p:nvPr/>
+        </p:nvCxnSpPr>
+        <p:spPr>
+          <a:xfrm>
+            <a:off x="2541816" y="655102"/>
+            <a:ext cx="0" cy="3132000"/>
+          </a:xfrm>
+          <a:prstGeom prst="line">
+            <a:avLst/>
+          </a:prstGeom>
+          <a:ln>
+            <a:solidFill>
+              <a:schemeClr val="tx1"/>
+            </a:solidFill>
+          </a:ln>
+        </p:spPr>
+        <p:style>
+          <a:lnRef idx="1">
+            <a:schemeClr val="accent1"/>
+          </a:lnRef>
+          <a:fillRef idx="0">
+            <a:schemeClr val="accent1"/>
+          </a:fillRef>
+          <a:effectRef idx="0">
+            <a:schemeClr val="accent1"/>
+          </a:effectRef>
+          <a:fontRef idx="minor">
+            <a:schemeClr val="tx1"/>
+          </a:fontRef>
+        </p:style>
+      </p:cxnSp>
+      <p:cxnSp>
+        <p:nvCxnSpPr>
+          <p:cNvPr id="8" name="直線矢印コネクタ 7">
+            <a:extLst>
+              <a:ext uri="{FF2B5EF4-FFF2-40B4-BE49-F238E27FC236}">
+                <a16:creationId xmlns:a16="http://schemas.microsoft.com/office/drawing/2014/main" id="{A55D928F-5A63-0600-02D0-C9D215FF91B4}"/>
+              </a:ext>
+            </a:extLst>
+          </p:cNvPr>
+          <p:cNvCxnSpPr>
+            <a:cxnSpLocks/>
+          </p:cNvCxnSpPr>
+          <p:nvPr/>
+        </p:nvCxnSpPr>
+        <p:spPr>
+          <a:xfrm>
+            <a:off x="2609139" y="2638309"/>
+            <a:ext cx="1260000" cy="144000"/>
+          </a:xfrm>
+          <a:prstGeom prst="straightConnector1">
+            <a:avLst/>
+          </a:prstGeom>
+          <a:ln>
+            <a:solidFill>
+              <a:schemeClr val="tx1"/>
+            </a:solidFill>
+            <a:tailEnd type="triangle"/>
+          </a:ln>
+        </p:spPr>
+        <p:style>
+          <a:lnRef idx="1">
+            <a:schemeClr val="accent1"/>
+          </a:lnRef>
+          <a:fillRef idx="0">
+            <a:schemeClr val="accent1"/>
+          </a:fillRef>
+          <a:effectRef idx="0">
+            <a:schemeClr val="accent1"/>
+          </a:effectRef>
+          <a:fontRef idx="minor">
+            <a:schemeClr val="tx1"/>
+          </a:fontRef>
+        </p:style>
+      </p:cxnSp>
+      <p:sp>
+        <p:nvSpPr>
+          <p:cNvPr id="11" name="テキスト ボックス 10">
+            <a:extLst>
+              <a:ext uri="{FF2B5EF4-FFF2-40B4-BE49-F238E27FC236}">
+                <a16:creationId xmlns:a16="http://schemas.microsoft.com/office/drawing/2014/main" id="{D68683F9-4522-822A-8AC6-B547E9311D15}"/>
+              </a:ext>
+            </a:extLst>
+          </p:cNvPr>
+          <p:cNvSpPr txBox="1"/>
+          <p:nvPr/>
+        </p:nvSpPr>
+        <p:spPr>
+          <a:xfrm>
+            <a:off x="2810977" y="1311014"/>
+            <a:ext cx="856325" cy="215444"/>
+          </a:xfrm>
+          <a:prstGeom prst="rect">
+            <a:avLst/>
+          </a:prstGeom>
+          <a:noFill/>
+        </p:spPr>
+        <p:txBody>
+          <a:bodyPr wrap="none" rtlCol="0">
+            <a:spAutoFit/>
+          </a:bodyPr>
+          <a:lstStyle/>
+          <a:p>
+            <a:r>
+              <a:rPr kumimoji="1" lang="en-US" altLang="ja-JP" sz="800" dirty="0"/>
+              <a:t>Query w/ eom</a:t>
+            </a:r>
+            <a:endParaRPr kumimoji="1" lang="ja-JP" altLang="en-US" sz="800" dirty="0"/>
+          </a:p>
+        </p:txBody>
+      </p:sp>
+      <p:sp>
+        <p:nvSpPr>
+          <p:cNvPr id="15" name="正方形/長方形 14">
+            <a:extLst>
+              <a:ext uri="{FF2B5EF4-FFF2-40B4-BE49-F238E27FC236}">
+                <a16:creationId xmlns:a16="http://schemas.microsoft.com/office/drawing/2014/main" id="{BD4CE7FD-838D-AD35-81FB-95C5BFECA3B7}"/>
+              </a:ext>
+            </a:extLst>
+          </p:cNvPr>
+          <p:cNvSpPr/>
+          <p:nvPr/>
+        </p:nvSpPr>
+        <p:spPr>
+          <a:xfrm>
+            <a:off x="3348477" y="367102"/>
+            <a:ext cx="1152000" cy="288000"/>
+          </a:xfrm>
+          <a:prstGeom prst="rect">
+            <a:avLst/>
+          </a:prstGeom>
+          <a:solidFill>
+            <a:schemeClr val="bg1"/>
+          </a:solidFill>
+          <a:ln>
+            <a:solidFill>
+              <a:schemeClr val="tx1"/>
+            </a:solidFill>
+          </a:ln>
+        </p:spPr>
+        <p:style>
+          <a:lnRef idx="2">
+            <a:schemeClr val="accent1">
+              <a:shade val="50000"/>
+            </a:schemeClr>
+          </a:lnRef>
+          <a:fillRef idx="1">
+            <a:schemeClr val="accent1"/>
+          </a:fillRef>
+          <a:effectRef idx="0">
+            <a:schemeClr val="accent1"/>
+          </a:effectRef>
+          <a:fontRef idx="minor">
+            <a:schemeClr val="lt1"/>
+          </a:fontRef>
+        </p:style>
+        <p:txBody>
+          <a:bodyPr rtlCol="0" anchor="ctr"/>
+          <a:lstStyle/>
+          <a:p>
+            <a:pPr algn="ctr"/>
+            <a:r>
+              <a:rPr kumimoji="1" lang="en-US" altLang="ja-JP" sz="800" dirty="0">
+                <a:solidFill>
+                  <a:schemeClr val="tx1"/>
+                </a:solidFill>
+              </a:rPr>
+              <a:t>HiSLIP </a:t>
+            </a:r>
+            <a:r>
+              <a:rPr lang="en-US" altLang="ja-JP" sz="800" dirty="0">
+                <a:solidFill>
+                  <a:schemeClr val="tx1"/>
+                </a:solidFill>
+              </a:rPr>
+              <a:t> </a:t>
+            </a:r>
+            <a:r>
+              <a:rPr lang="ja-JP" altLang="en-US" sz="800" dirty="0">
+                <a:solidFill>
+                  <a:schemeClr val="tx1"/>
+                </a:solidFill>
+              </a:rPr>
+              <a:t>サーバ</a:t>
+            </a:r>
+            <a:endParaRPr kumimoji="1" lang="ja-JP" altLang="en-US" sz="800" dirty="0">
+              <a:solidFill>
+                <a:schemeClr val="tx1"/>
+              </a:solidFill>
+            </a:endParaRPr>
+          </a:p>
+        </p:txBody>
+      </p:sp>
+      <p:cxnSp>
+        <p:nvCxnSpPr>
+          <p:cNvPr id="16" name="直線コネクタ 15">
+            <a:extLst>
+              <a:ext uri="{FF2B5EF4-FFF2-40B4-BE49-F238E27FC236}">
+                <a16:creationId xmlns:a16="http://schemas.microsoft.com/office/drawing/2014/main" id="{52B06D54-D847-599A-A63D-9D075602454D}"/>
+              </a:ext>
+            </a:extLst>
+          </p:cNvPr>
+          <p:cNvCxnSpPr>
+            <a:cxnSpLocks/>
+            <a:stCxn id="15" idx="2"/>
+          </p:cNvCxnSpPr>
+          <p:nvPr/>
+        </p:nvCxnSpPr>
+        <p:spPr>
+          <a:xfrm>
+            <a:off x="3924477" y="655102"/>
+            <a:ext cx="0" cy="3132000"/>
+          </a:xfrm>
+          <a:prstGeom prst="line">
+            <a:avLst/>
+          </a:prstGeom>
+          <a:ln>
+            <a:solidFill>
+              <a:schemeClr val="tx1"/>
+            </a:solidFill>
+          </a:ln>
+        </p:spPr>
+        <p:style>
+          <a:lnRef idx="1">
+            <a:schemeClr val="accent1"/>
+          </a:lnRef>
+          <a:fillRef idx="0">
+            <a:schemeClr val="accent1"/>
+          </a:fillRef>
+          <a:effectRef idx="0">
+            <a:schemeClr val="accent1"/>
+          </a:effectRef>
+          <a:fontRef idx="minor">
+            <a:schemeClr val="tx1"/>
+          </a:fontRef>
+        </p:style>
+      </p:cxnSp>
+      <p:cxnSp>
+        <p:nvCxnSpPr>
+          <p:cNvPr id="29" name="直線矢印コネクタ 28">
+            <a:extLst>
+              <a:ext uri="{FF2B5EF4-FFF2-40B4-BE49-F238E27FC236}">
+                <a16:creationId xmlns:a16="http://schemas.microsoft.com/office/drawing/2014/main" id="{B354946A-18B9-64BF-F00C-84AA8E2C81C6}"/>
+              </a:ext>
+            </a:extLst>
+          </p:cNvPr>
+          <p:cNvCxnSpPr>
+            <a:cxnSpLocks/>
+          </p:cNvCxnSpPr>
+          <p:nvPr/>
+        </p:nvCxnSpPr>
+        <p:spPr>
+          <a:xfrm>
+            <a:off x="2609139" y="1455734"/>
+            <a:ext cx="1260000" cy="144000"/>
+          </a:xfrm>
+          <a:prstGeom prst="straightConnector1">
+            <a:avLst/>
+          </a:prstGeom>
+          <a:ln>
+            <a:solidFill>
+              <a:schemeClr val="tx1"/>
+            </a:solidFill>
+            <a:tailEnd type="triangle"/>
+          </a:ln>
+        </p:spPr>
+        <p:style>
+          <a:lnRef idx="1">
+            <a:schemeClr val="accent1"/>
+          </a:lnRef>
+          <a:fillRef idx="0">
+            <a:schemeClr val="accent1"/>
+          </a:fillRef>
+          <a:effectRef idx="0">
+            <a:schemeClr val="accent1"/>
+          </a:effectRef>
+          <a:fontRef idx="minor">
+            <a:schemeClr val="tx1"/>
+          </a:fontRef>
+        </p:style>
+      </p:cxnSp>
+      <p:sp>
+        <p:nvSpPr>
+          <p:cNvPr id="47" name="テキスト ボックス 46">
+            <a:extLst>
+              <a:ext uri="{FF2B5EF4-FFF2-40B4-BE49-F238E27FC236}">
+                <a16:creationId xmlns:a16="http://schemas.microsoft.com/office/drawing/2014/main" id="{FC079A1D-777D-0A86-9DB9-2D22860FA840}"/>
+              </a:ext>
+            </a:extLst>
+          </p:cNvPr>
+          <p:cNvSpPr txBox="1"/>
+          <p:nvPr/>
+        </p:nvSpPr>
+        <p:spPr>
+          <a:xfrm>
+            <a:off x="634177" y="1133228"/>
+            <a:ext cx="516488" cy="215444"/>
+          </a:xfrm>
+          <a:prstGeom prst="rect">
+            <a:avLst/>
+          </a:prstGeom>
+          <a:noFill/>
+        </p:spPr>
+        <p:txBody>
+          <a:bodyPr wrap="none" rtlCol="0">
+            <a:spAutoFit/>
+          </a:bodyPr>
+          <a:lstStyle/>
+          <a:p>
+            <a:pPr algn="r"/>
+            <a:r>
+              <a:rPr kumimoji="1" lang="en-US" altLang="ja-JP" sz="800" dirty="0"/>
+              <a:t>viWrite</a:t>
+            </a:r>
+            <a:endParaRPr kumimoji="1" lang="ja-JP" altLang="en-US" sz="800" dirty="0"/>
+          </a:p>
+        </p:txBody>
+      </p:sp>
+      <p:cxnSp>
+        <p:nvCxnSpPr>
+          <p:cNvPr id="53" name="直線矢印コネクタ 52">
+            <a:extLst>
+              <a:ext uri="{FF2B5EF4-FFF2-40B4-BE49-F238E27FC236}">
+                <a16:creationId xmlns:a16="http://schemas.microsoft.com/office/drawing/2014/main" id="{D7DB7196-14B4-5C22-F8EF-DBE675F9FAA4}"/>
+              </a:ext>
+            </a:extLst>
+          </p:cNvPr>
+          <p:cNvCxnSpPr>
+            <a:cxnSpLocks/>
+          </p:cNvCxnSpPr>
+          <p:nvPr/>
+        </p:nvCxnSpPr>
+        <p:spPr>
+          <a:xfrm flipH="1">
+            <a:off x="2609139" y="3189418"/>
+            <a:ext cx="1260000" cy="144000"/>
+          </a:xfrm>
+          <a:prstGeom prst="straightConnector1">
+            <a:avLst/>
+          </a:prstGeom>
+          <a:ln>
+            <a:solidFill>
+              <a:schemeClr val="tx1"/>
+            </a:solidFill>
+            <a:tailEnd type="triangle"/>
+          </a:ln>
+        </p:spPr>
+        <p:style>
+          <a:lnRef idx="1">
+            <a:schemeClr val="accent1"/>
+          </a:lnRef>
+          <a:fillRef idx="0">
+            <a:schemeClr val="accent1"/>
+          </a:fillRef>
+          <a:effectRef idx="0">
+            <a:schemeClr val="accent1"/>
+          </a:effectRef>
+          <a:fontRef idx="minor">
+            <a:schemeClr val="tx1"/>
+          </a:fontRef>
+        </p:style>
+      </p:cxnSp>
       <p:pic>
         <p:nvPicPr>
-          <p:cNvPr id="5" name="コンテンツ プレースホルダー 4">
-            <a:extLst>
-              <a:ext uri="{FF2B5EF4-FFF2-40B4-BE49-F238E27FC236}">
-                <a16:creationId xmlns:a16="http://schemas.microsoft.com/office/drawing/2014/main" id="{2F6608FC-0A65-DCB3-9B97-D496101A41E8}"/>
+          <p:cNvPr id="3" name="コンテンツ プレースホルダー 4">
+            <a:extLst>
+              <a:ext uri="{FF2B5EF4-FFF2-40B4-BE49-F238E27FC236}">
+                <a16:creationId xmlns:a16="http://schemas.microsoft.com/office/drawing/2014/main" id="{EDAB6775-785C-7177-8117-4943E4503A76}"/>
               </a:ext>
             </a:extLst>
           </p:cNvPr>
@@ -4153,7 +4571,7 @@
           </p:nvPr>
         </p:nvPicPr>
         <p:blipFill>
-          <a:blip r:embed="rId2">
+          <a:blip r:embed="rId3">
             <a:extLst>
               <a:ext uri="{28A0092B-C50C-407E-A947-70E740481C1C}">
                 <a14:useLocalDpi xmlns:a14="http://schemas.microsoft.com/office/drawing/2010/main" val="0"/>
@@ -4166,15 +4584,524 @@
         </p:blipFill>
         <p:spPr>
           <a:xfrm>
-            <a:off x="1281953" y="69831"/>
-            <a:ext cx="9628094" cy="6718337"/>
+            <a:off x="7277100" y="3202935"/>
+            <a:ext cx="4813349" cy="3358682"/>
           </a:xfrm>
         </p:spPr>
       </p:pic>
+      <p:sp>
+        <p:nvSpPr>
+          <p:cNvPr id="6" name="正方形/長方形 5">
+            <a:extLst>
+              <a:ext uri="{FF2B5EF4-FFF2-40B4-BE49-F238E27FC236}">
+                <a16:creationId xmlns:a16="http://schemas.microsoft.com/office/drawing/2014/main" id="{8F7B8426-A283-6E2E-1B8F-02745667BC90}"/>
+              </a:ext>
+            </a:extLst>
+          </p:cNvPr>
+          <p:cNvSpPr/>
+          <p:nvPr/>
+        </p:nvSpPr>
+        <p:spPr>
+          <a:xfrm>
+            <a:off x="645220" y="357271"/>
+            <a:ext cx="1152000" cy="288000"/>
+          </a:xfrm>
+          <a:prstGeom prst="rect">
+            <a:avLst/>
+          </a:prstGeom>
+          <a:solidFill>
+            <a:schemeClr val="bg1"/>
+          </a:solidFill>
+          <a:ln>
+            <a:solidFill>
+              <a:schemeClr val="tx1"/>
+            </a:solidFill>
+          </a:ln>
+        </p:spPr>
+        <p:style>
+          <a:lnRef idx="2">
+            <a:schemeClr val="accent1">
+              <a:shade val="50000"/>
+            </a:schemeClr>
+          </a:lnRef>
+          <a:fillRef idx="1">
+            <a:schemeClr val="accent1"/>
+          </a:fillRef>
+          <a:effectRef idx="0">
+            <a:schemeClr val="accent1"/>
+          </a:effectRef>
+          <a:fontRef idx="minor">
+            <a:schemeClr val="lt1"/>
+          </a:fontRef>
+        </p:style>
+        <p:txBody>
+          <a:bodyPr rtlCol="0" anchor="ctr"/>
+          <a:lstStyle/>
+          <a:p>
+            <a:pPr algn="ctr"/>
+            <a:r>
+              <a:rPr kumimoji="1" lang="ja-JP" altLang="en-US" sz="800" dirty="0">
+                <a:solidFill>
+                  <a:schemeClr val="tx1"/>
+                </a:solidFill>
+              </a:rPr>
+              <a:t>クライアントアプリ</a:t>
+            </a:r>
+          </a:p>
+        </p:txBody>
+      </p:sp>
+      <p:cxnSp>
+        <p:nvCxnSpPr>
+          <p:cNvPr id="7" name="直線コネクタ 6">
+            <a:extLst>
+              <a:ext uri="{FF2B5EF4-FFF2-40B4-BE49-F238E27FC236}">
+                <a16:creationId xmlns:a16="http://schemas.microsoft.com/office/drawing/2014/main" id="{25DA12DD-207C-9CB3-32A4-0F559216A993}"/>
+              </a:ext>
+            </a:extLst>
+          </p:cNvPr>
+          <p:cNvCxnSpPr>
+            <a:cxnSpLocks/>
+            <a:stCxn id="6" idx="2"/>
+          </p:cNvCxnSpPr>
+          <p:nvPr/>
+        </p:nvCxnSpPr>
+        <p:spPr>
+          <a:xfrm>
+            <a:off x="1221220" y="645271"/>
+            <a:ext cx="0" cy="3132000"/>
+          </a:xfrm>
+          <a:prstGeom prst="line">
+            <a:avLst/>
+          </a:prstGeom>
+          <a:ln>
+            <a:solidFill>
+              <a:schemeClr val="tx1"/>
+            </a:solidFill>
+          </a:ln>
+        </p:spPr>
+        <p:style>
+          <a:lnRef idx="1">
+            <a:schemeClr val="accent1"/>
+          </a:lnRef>
+          <a:fillRef idx="0">
+            <a:schemeClr val="accent1"/>
+          </a:fillRef>
+          <a:effectRef idx="0">
+            <a:schemeClr val="accent1"/>
+          </a:effectRef>
+          <a:fontRef idx="minor">
+            <a:schemeClr val="tx1"/>
+          </a:fontRef>
+        </p:style>
+      </p:cxnSp>
+      <p:sp>
+        <p:nvSpPr>
+          <p:cNvPr id="10" name="テキスト ボックス 9">
+            <a:extLst>
+              <a:ext uri="{FF2B5EF4-FFF2-40B4-BE49-F238E27FC236}">
+                <a16:creationId xmlns:a16="http://schemas.microsoft.com/office/drawing/2014/main" id="{68A6018C-9C5D-6AB4-F51D-C0B7825E6DC2}"/>
+              </a:ext>
+            </a:extLst>
+          </p:cNvPr>
+          <p:cNvSpPr txBox="1"/>
+          <p:nvPr/>
+        </p:nvSpPr>
+        <p:spPr>
+          <a:xfrm>
+            <a:off x="636070" y="2032693"/>
+            <a:ext cx="516488" cy="215444"/>
+          </a:xfrm>
+          <a:prstGeom prst="rect">
+            <a:avLst/>
+          </a:prstGeom>
+          <a:noFill/>
+        </p:spPr>
+        <p:txBody>
+          <a:bodyPr wrap="none" rtlCol="0">
+            <a:spAutoFit/>
+          </a:bodyPr>
+          <a:lstStyle/>
+          <a:p>
+            <a:pPr algn="r"/>
+            <a:r>
+              <a:rPr kumimoji="1" lang="en-US" altLang="ja-JP" sz="800" dirty="0"/>
+              <a:t>viWrite</a:t>
+            </a:r>
+            <a:endParaRPr kumimoji="1" lang="ja-JP" altLang="en-US" sz="800" dirty="0"/>
+          </a:p>
+        </p:txBody>
+      </p:sp>
+      <p:sp>
+        <p:nvSpPr>
+          <p:cNvPr id="13" name="テキスト ボックス 12">
+            <a:extLst>
+              <a:ext uri="{FF2B5EF4-FFF2-40B4-BE49-F238E27FC236}">
+                <a16:creationId xmlns:a16="http://schemas.microsoft.com/office/drawing/2014/main" id="{8EF8AFC7-0804-5D63-AC6D-D2441D54D959}"/>
+              </a:ext>
+            </a:extLst>
+          </p:cNvPr>
+          <p:cNvSpPr txBox="1"/>
+          <p:nvPr/>
+        </p:nvSpPr>
+        <p:spPr>
+          <a:xfrm>
+            <a:off x="635803" y="3420115"/>
+            <a:ext cx="505267" cy="215444"/>
+          </a:xfrm>
+          <a:prstGeom prst="rect">
+            <a:avLst/>
+          </a:prstGeom>
+          <a:noFill/>
+        </p:spPr>
+        <p:txBody>
+          <a:bodyPr wrap="none" rtlCol="0">
+            <a:spAutoFit/>
+          </a:bodyPr>
+          <a:lstStyle/>
+          <a:p>
+            <a:pPr algn="r"/>
+            <a:r>
+              <a:rPr kumimoji="1" lang="en-US" altLang="ja-JP" sz="800" dirty="0"/>
+              <a:t>viRead</a:t>
+            </a:r>
+            <a:endParaRPr kumimoji="1" lang="ja-JP" altLang="en-US" sz="800" dirty="0"/>
+          </a:p>
+        </p:txBody>
+      </p:sp>
+      <p:cxnSp>
+        <p:nvCxnSpPr>
+          <p:cNvPr id="14" name="直線矢印コネクタ 13">
+            <a:extLst>
+              <a:ext uri="{FF2B5EF4-FFF2-40B4-BE49-F238E27FC236}">
+                <a16:creationId xmlns:a16="http://schemas.microsoft.com/office/drawing/2014/main" id="{9E08A595-12D7-7DC3-9777-661B17AD0A90}"/>
+              </a:ext>
+            </a:extLst>
+          </p:cNvPr>
+          <p:cNvCxnSpPr>
+            <a:cxnSpLocks/>
+          </p:cNvCxnSpPr>
+          <p:nvPr/>
+        </p:nvCxnSpPr>
+        <p:spPr>
+          <a:xfrm>
+            <a:off x="1274057" y="1225612"/>
+            <a:ext cx="1260000" cy="144000"/>
+          </a:xfrm>
+          <a:prstGeom prst="straightConnector1">
+            <a:avLst/>
+          </a:prstGeom>
+          <a:ln>
+            <a:solidFill>
+              <a:schemeClr val="tx1"/>
+            </a:solidFill>
+            <a:tailEnd type="triangle"/>
+          </a:ln>
+        </p:spPr>
+        <p:style>
+          <a:lnRef idx="1">
+            <a:schemeClr val="accent1"/>
+          </a:lnRef>
+          <a:fillRef idx="0">
+            <a:schemeClr val="accent1"/>
+          </a:fillRef>
+          <a:effectRef idx="0">
+            <a:schemeClr val="accent1"/>
+          </a:effectRef>
+          <a:fontRef idx="minor">
+            <a:schemeClr val="tx1"/>
+          </a:fontRef>
+        </p:style>
+      </p:cxnSp>
+      <p:cxnSp>
+        <p:nvCxnSpPr>
+          <p:cNvPr id="17" name="直線矢印コネクタ 16">
+            <a:extLst>
+              <a:ext uri="{FF2B5EF4-FFF2-40B4-BE49-F238E27FC236}">
+                <a16:creationId xmlns:a16="http://schemas.microsoft.com/office/drawing/2014/main" id="{4ACE3345-2FC6-BFA0-4B22-F6574F89543A}"/>
+              </a:ext>
+            </a:extLst>
+          </p:cNvPr>
+          <p:cNvCxnSpPr>
+            <a:cxnSpLocks/>
+          </p:cNvCxnSpPr>
+          <p:nvPr/>
+        </p:nvCxnSpPr>
+        <p:spPr>
+          <a:xfrm>
+            <a:off x="1256881" y="2394577"/>
+            <a:ext cx="1260000" cy="144000"/>
+          </a:xfrm>
+          <a:prstGeom prst="straightConnector1">
+            <a:avLst/>
+          </a:prstGeom>
+          <a:ln>
+            <a:solidFill>
+              <a:schemeClr val="tx1"/>
+            </a:solidFill>
+            <a:tailEnd type="triangle"/>
+          </a:ln>
+        </p:spPr>
+        <p:style>
+          <a:lnRef idx="1">
+            <a:schemeClr val="accent1"/>
+          </a:lnRef>
+          <a:fillRef idx="0">
+            <a:schemeClr val="accent1"/>
+          </a:fillRef>
+          <a:effectRef idx="0">
+            <a:schemeClr val="accent1"/>
+          </a:effectRef>
+          <a:fontRef idx="minor">
+            <a:schemeClr val="tx1"/>
+          </a:fontRef>
+        </p:style>
+      </p:cxnSp>
+      <p:cxnSp>
+        <p:nvCxnSpPr>
+          <p:cNvPr id="18" name="直線矢印コネクタ 17">
+            <a:extLst>
+              <a:ext uri="{FF2B5EF4-FFF2-40B4-BE49-F238E27FC236}">
+                <a16:creationId xmlns:a16="http://schemas.microsoft.com/office/drawing/2014/main" id="{F6AEAC3B-67F1-09A4-A93A-9EA53D1321F3}"/>
+              </a:ext>
+            </a:extLst>
+          </p:cNvPr>
+          <p:cNvCxnSpPr>
+            <a:cxnSpLocks/>
+          </p:cNvCxnSpPr>
+          <p:nvPr/>
+        </p:nvCxnSpPr>
+        <p:spPr>
+          <a:xfrm flipH="1">
+            <a:off x="1237831" y="3449374"/>
+            <a:ext cx="1260000" cy="144000"/>
+          </a:xfrm>
+          <a:prstGeom prst="straightConnector1">
+            <a:avLst/>
+          </a:prstGeom>
+          <a:ln>
+            <a:solidFill>
+              <a:schemeClr val="tx1"/>
+            </a:solidFill>
+            <a:tailEnd type="triangle"/>
+          </a:ln>
+        </p:spPr>
+        <p:style>
+          <a:lnRef idx="1">
+            <a:schemeClr val="accent1"/>
+          </a:lnRef>
+          <a:fillRef idx="0">
+            <a:schemeClr val="accent1"/>
+          </a:fillRef>
+          <a:effectRef idx="0">
+            <a:schemeClr val="accent1"/>
+          </a:effectRef>
+          <a:fontRef idx="minor">
+            <a:schemeClr val="tx1"/>
+          </a:fontRef>
+        </p:style>
+      </p:cxnSp>
+      <p:sp>
+        <p:nvSpPr>
+          <p:cNvPr id="19" name="テキスト ボックス 18">
+            <a:extLst>
+              <a:ext uri="{FF2B5EF4-FFF2-40B4-BE49-F238E27FC236}">
+                <a16:creationId xmlns:a16="http://schemas.microsoft.com/office/drawing/2014/main" id="{1DD2E13D-9BFD-B399-197F-D386BD6C98D1}"/>
+              </a:ext>
+            </a:extLst>
+          </p:cNvPr>
+          <p:cNvSpPr txBox="1"/>
+          <p:nvPr/>
+        </p:nvSpPr>
+        <p:spPr>
+          <a:xfrm>
+            <a:off x="2584152" y="2438268"/>
+            <a:ext cx="1309974" cy="215444"/>
+          </a:xfrm>
+          <a:prstGeom prst="rect">
+            <a:avLst/>
+          </a:prstGeom>
+          <a:noFill/>
+        </p:spPr>
+        <p:txBody>
+          <a:bodyPr wrap="none" rtlCol="0">
+            <a:spAutoFit/>
+          </a:bodyPr>
+          <a:lstStyle/>
+          <a:p>
+            <a:r>
+              <a:rPr kumimoji="1" lang="en-US" altLang="ja-JP" sz="800" dirty="0"/>
+              <a:t>Query w/ eom(no RMT)</a:t>
+            </a:r>
+            <a:endParaRPr kumimoji="1" lang="ja-JP" altLang="en-US" sz="800" dirty="0"/>
+          </a:p>
+        </p:txBody>
+      </p:sp>
+      <p:cxnSp>
+        <p:nvCxnSpPr>
+          <p:cNvPr id="20" name="直線矢印コネクタ 19">
+            <a:extLst>
+              <a:ext uri="{FF2B5EF4-FFF2-40B4-BE49-F238E27FC236}">
+                <a16:creationId xmlns:a16="http://schemas.microsoft.com/office/drawing/2014/main" id="{92DB8220-E274-5B4C-4A6B-7256159C4690}"/>
+              </a:ext>
+            </a:extLst>
+          </p:cNvPr>
+          <p:cNvCxnSpPr>
+            <a:cxnSpLocks/>
+          </p:cNvCxnSpPr>
+          <p:nvPr/>
+        </p:nvCxnSpPr>
+        <p:spPr>
+          <a:xfrm flipH="1">
+            <a:off x="2609139" y="1960693"/>
+            <a:ext cx="1260000" cy="144000"/>
+          </a:xfrm>
+          <a:prstGeom prst="straightConnector1">
+            <a:avLst/>
+          </a:prstGeom>
+          <a:ln>
+            <a:solidFill>
+              <a:schemeClr val="tx1"/>
+            </a:solidFill>
+            <a:tailEnd type="triangle"/>
+          </a:ln>
+        </p:spPr>
+        <p:style>
+          <a:lnRef idx="1">
+            <a:schemeClr val="accent1"/>
+          </a:lnRef>
+          <a:fillRef idx="0">
+            <a:schemeClr val="accent1"/>
+          </a:fillRef>
+          <a:effectRef idx="0">
+            <a:schemeClr val="accent1"/>
+          </a:effectRef>
+          <a:fontRef idx="minor">
+            <a:schemeClr val="tx1"/>
+          </a:fontRef>
+        </p:style>
+      </p:cxnSp>
+      <p:sp>
+        <p:nvSpPr>
+          <p:cNvPr id="21" name="テキスト ボックス 20">
+            <a:extLst>
+              <a:ext uri="{FF2B5EF4-FFF2-40B4-BE49-F238E27FC236}">
+                <a16:creationId xmlns:a16="http://schemas.microsoft.com/office/drawing/2014/main" id="{7B37A064-7692-6C8F-90AB-136E223A293B}"/>
+              </a:ext>
+            </a:extLst>
+          </p:cNvPr>
+          <p:cNvSpPr txBox="1"/>
+          <p:nvPr/>
+        </p:nvSpPr>
+        <p:spPr>
+          <a:xfrm>
+            <a:off x="2685943" y="1801146"/>
+            <a:ext cx="1106393" cy="215444"/>
+          </a:xfrm>
+          <a:prstGeom prst="rect">
+            <a:avLst/>
+          </a:prstGeom>
+          <a:noFill/>
+        </p:spPr>
+        <p:txBody>
+          <a:bodyPr wrap="none" rtlCol="0">
+            <a:spAutoFit/>
+          </a:bodyPr>
+          <a:lstStyle/>
+          <a:p>
+            <a:r>
+              <a:rPr kumimoji="1" lang="en-US" altLang="ja-JP" sz="800" dirty="0"/>
+              <a:t>Response w/ RMT</a:t>
+            </a:r>
+            <a:endParaRPr kumimoji="1" lang="ja-JP" altLang="en-US" sz="800" dirty="0"/>
+          </a:p>
+        </p:txBody>
+      </p:sp>
+      <p:sp>
+        <p:nvSpPr>
+          <p:cNvPr id="22" name="テキスト ボックス 21">
+            <a:extLst>
+              <a:ext uri="{FF2B5EF4-FFF2-40B4-BE49-F238E27FC236}">
+                <a16:creationId xmlns:a16="http://schemas.microsoft.com/office/drawing/2014/main" id="{0095C1CA-6B2F-E348-14AD-7E3818FC7BE5}"/>
+              </a:ext>
+            </a:extLst>
+          </p:cNvPr>
+          <p:cNvSpPr txBox="1"/>
+          <p:nvPr/>
+        </p:nvSpPr>
+        <p:spPr>
+          <a:xfrm>
+            <a:off x="2685943" y="2936999"/>
+            <a:ext cx="1106393" cy="215444"/>
+          </a:xfrm>
+          <a:prstGeom prst="rect">
+            <a:avLst/>
+          </a:prstGeom>
+          <a:noFill/>
+        </p:spPr>
+        <p:txBody>
+          <a:bodyPr wrap="none" rtlCol="0">
+            <a:spAutoFit/>
+          </a:bodyPr>
+          <a:lstStyle/>
+          <a:p>
+            <a:r>
+              <a:rPr kumimoji="1" lang="en-US" altLang="ja-JP" sz="800" dirty="0"/>
+              <a:t>Response w/ RMT</a:t>
+            </a:r>
+            <a:endParaRPr kumimoji="1" lang="ja-JP" altLang="en-US" sz="800" dirty="0"/>
+          </a:p>
+        </p:txBody>
+      </p:sp>
+      <p:sp>
+        <p:nvSpPr>
+          <p:cNvPr id="25" name="爆発: 14 pt 24">
+            <a:extLst>
+              <a:ext uri="{FF2B5EF4-FFF2-40B4-BE49-F238E27FC236}">
+                <a16:creationId xmlns:a16="http://schemas.microsoft.com/office/drawing/2014/main" id="{D4061A44-C3F4-BAA8-933D-3FBBA9D7425A}"/>
+              </a:ext>
+            </a:extLst>
+          </p:cNvPr>
+          <p:cNvSpPr/>
+          <p:nvPr/>
+        </p:nvSpPr>
+        <p:spPr>
+          <a:xfrm>
+            <a:off x="3960552" y="2799886"/>
+            <a:ext cx="180000" cy="180000"/>
+          </a:xfrm>
+          <a:prstGeom prst="irregularSeal2">
+            <a:avLst/>
+          </a:prstGeom>
+        </p:spPr>
+        <p:style>
+          <a:lnRef idx="2">
+            <a:schemeClr val="accent2">
+              <a:shade val="50000"/>
+            </a:schemeClr>
+          </a:lnRef>
+          <a:fillRef idx="1">
+            <a:schemeClr val="accent2"/>
+          </a:fillRef>
+          <a:effectRef idx="0">
+            <a:schemeClr val="accent2"/>
+          </a:effectRef>
+          <a:fontRef idx="minor">
+            <a:schemeClr val="lt1"/>
+          </a:fontRef>
+        </p:style>
+        <p:txBody>
+          <a:bodyPr rtlCol="0" anchor="ctr"/>
+          <a:lstStyle/>
+          <a:p>
+            <a:pPr algn="ctr"/>
+            <a:endParaRPr kumimoji="1" lang="ja-JP" altLang="en-US"/>
+          </a:p>
+        </p:txBody>
+      </p:sp>
     </p:spTree>
     <p:extLst>
       <p:ext uri="{BB962C8B-B14F-4D97-AF65-F5344CB8AC3E}">
-        <p14:creationId xmlns:p14="http://schemas.microsoft.com/office/powerpoint/2010/main" val="3024518020"/>
+        <p14:creationId xmlns:p14="http://schemas.microsoft.com/office/powerpoint/2010/main" val="3529228221"/>
       </p:ext>
     </p:extLst>
   </p:cSld>
@@ -4201,31 +5128,6 @@
           <a:chExt cx="0" cy="0"/>
         </a:xfrm>
       </p:grpSpPr>
-      <p:sp>
-        <p:nvSpPr>
-          <p:cNvPr id="2" name="タイトル 1">
-            <a:extLst>
-              <a:ext uri="{FF2B5EF4-FFF2-40B4-BE49-F238E27FC236}">
-                <a16:creationId xmlns:a16="http://schemas.microsoft.com/office/drawing/2014/main" id="{8D92184F-02CE-71A0-ED22-ACB26C4ED9EA}"/>
-              </a:ext>
-            </a:extLst>
-          </p:cNvPr>
-          <p:cNvSpPr>
-            <a:spLocks noGrp="1"/>
-          </p:cNvSpPr>
-          <p:nvPr>
-            <p:ph type="title"/>
-          </p:nvPr>
-        </p:nvSpPr>
-        <p:spPr/>
-        <p:txBody>
-          <a:bodyPr/>
-          <a:lstStyle/>
-          <a:p>
-            <a:endParaRPr kumimoji="1" lang="ja-JP" altLang="en-US"/>
-          </a:p>
-        </p:txBody>
-      </p:sp>
       <p:pic>
         <p:nvPicPr>
           <p:cNvPr id="5" name="コンテンツ プレースホルダー 4">
@@ -4256,11 +5158,1092 @@
         </p:blipFill>
         <p:spPr>
           <a:xfrm>
-            <a:off x="3348989" y="1825625"/>
+            <a:off x="6096000" y="2248137"/>
             <a:ext cx="5494021" cy="4351338"/>
           </a:xfrm>
         </p:spPr>
       </p:pic>
+      <p:sp>
+        <p:nvSpPr>
+          <p:cNvPr id="3" name="正方形/長方形 2">
+            <a:extLst>
+              <a:ext uri="{FF2B5EF4-FFF2-40B4-BE49-F238E27FC236}">
+                <a16:creationId xmlns:a16="http://schemas.microsoft.com/office/drawing/2014/main" id="{4D361C9C-85B8-A080-A8DD-812100A3AFB5}"/>
+              </a:ext>
+            </a:extLst>
+          </p:cNvPr>
+          <p:cNvSpPr/>
+          <p:nvPr/>
+        </p:nvSpPr>
+        <p:spPr>
+          <a:xfrm>
+            <a:off x="1965816" y="367102"/>
+            <a:ext cx="1152000" cy="288000"/>
+          </a:xfrm>
+          <a:prstGeom prst="rect">
+            <a:avLst/>
+          </a:prstGeom>
+          <a:solidFill>
+            <a:schemeClr val="bg1"/>
+          </a:solidFill>
+          <a:ln>
+            <a:solidFill>
+              <a:schemeClr val="tx1"/>
+            </a:solidFill>
+          </a:ln>
+        </p:spPr>
+        <p:style>
+          <a:lnRef idx="2">
+            <a:schemeClr val="accent1">
+              <a:shade val="50000"/>
+            </a:schemeClr>
+          </a:lnRef>
+          <a:fillRef idx="1">
+            <a:schemeClr val="accent1"/>
+          </a:fillRef>
+          <a:effectRef idx="0">
+            <a:schemeClr val="accent1"/>
+          </a:effectRef>
+          <a:fontRef idx="minor">
+            <a:schemeClr val="lt1"/>
+          </a:fontRef>
+        </p:style>
+        <p:txBody>
+          <a:bodyPr rtlCol="0" anchor="ctr"/>
+          <a:lstStyle/>
+          <a:p>
+            <a:pPr algn="ctr"/>
+            <a:r>
+              <a:rPr kumimoji="1" lang="en-US" altLang="ja-JP" sz="800" dirty="0">
+                <a:solidFill>
+                  <a:schemeClr val="tx1"/>
+                </a:solidFill>
+              </a:rPr>
+              <a:t>HiSLIP </a:t>
+            </a:r>
+            <a:r>
+              <a:rPr kumimoji="1" lang="ja-JP" altLang="en-US" sz="800" dirty="0">
+                <a:solidFill>
+                  <a:schemeClr val="tx1"/>
+                </a:solidFill>
+              </a:rPr>
+              <a:t>クライアント</a:t>
+            </a:r>
+          </a:p>
+        </p:txBody>
+      </p:sp>
+      <p:cxnSp>
+        <p:nvCxnSpPr>
+          <p:cNvPr id="4" name="直線コネクタ 3">
+            <a:extLst>
+              <a:ext uri="{FF2B5EF4-FFF2-40B4-BE49-F238E27FC236}">
+                <a16:creationId xmlns:a16="http://schemas.microsoft.com/office/drawing/2014/main" id="{3F45A337-9E99-CAF2-BBCA-37C336DEAD69}"/>
+              </a:ext>
+            </a:extLst>
+          </p:cNvPr>
+          <p:cNvCxnSpPr>
+            <a:cxnSpLocks/>
+            <a:stCxn id="3" idx="2"/>
+          </p:cNvCxnSpPr>
+          <p:nvPr/>
+        </p:nvCxnSpPr>
+        <p:spPr>
+          <a:xfrm>
+            <a:off x="2541816" y="655102"/>
+            <a:ext cx="0" cy="3564000"/>
+          </a:xfrm>
+          <a:prstGeom prst="line">
+            <a:avLst/>
+          </a:prstGeom>
+          <a:ln>
+            <a:solidFill>
+              <a:schemeClr val="tx1"/>
+            </a:solidFill>
+          </a:ln>
+        </p:spPr>
+        <p:style>
+          <a:lnRef idx="1">
+            <a:schemeClr val="accent1"/>
+          </a:lnRef>
+          <a:fillRef idx="0">
+            <a:schemeClr val="accent1"/>
+          </a:fillRef>
+          <a:effectRef idx="0">
+            <a:schemeClr val="accent1"/>
+          </a:effectRef>
+          <a:fontRef idx="minor">
+            <a:schemeClr val="tx1"/>
+          </a:fontRef>
+        </p:style>
+      </p:cxnSp>
+      <p:sp>
+        <p:nvSpPr>
+          <p:cNvPr id="7" name="テキスト ボックス 6">
+            <a:extLst>
+              <a:ext uri="{FF2B5EF4-FFF2-40B4-BE49-F238E27FC236}">
+                <a16:creationId xmlns:a16="http://schemas.microsoft.com/office/drawing/2014/main" id="{A9137342-D457-4BDA-DF1B-72404C85584C}"/>
+              </a:ext>
+            </a:extLst>
+          </p:cNvPr>
+          <p:cNvSpPr txBox="1"/>
+          <p:nvPr/>
+        </p:nvSpPr>
+        <p:spPr>
+          <a:xfrm>
+            <a:off x="2810977" y="1311014"/>
+            <a:ext cx="856325" cy="215444"/>
+          </a:xfrm>
+          <a:prstGeom prst="rect">
+            <a:avLst/>
+          </a:prstGeom>
+          <a:noFill/>
+        </p:spPr>
+        <p:txBody>
+          <a:bodyPr wrap="none" rtlCol="0">
+            <a:spAutoFit/>
+          </a:bodyPr>
+          <a:lstStyle/>
+          <a:p>
+            <a:r>
+              <a:rPr kumimoji="1" lang="en-US" altLang="ja-JP" sz="800" dirty="0"/>
+              <a:t>Query w/ eom</a:t>
+            </a:r>
+            <a:endParaRPr kumimoji="1" lang="ja-JP" altLang="en-US" sz="800" dirty="0"/>
+          </a:p>
+        </p:txBody>
+      </p:sp>
+      <p:sp>
+        <p:nvSpPr>
+          <p:cNvPr id="8" name="正方形/長方形 7">
+            <a:extLst>
+              <a:ext uri="{FF2B5EF4-FFF2-40B4-BE49-F238E27FC236}">
+                <a16:creationId xmlns:a16="http://schemas.microsoft.com/office/drawing/2014/main" id="{F6AC5200-A59B-FA84-5630-A9518028EC5A}"/>
+              </a:ext>
+            </a:extLst>
+          </p:cNvPr>
+          <p:cNvSpPr/>
+          <p:nvPr/>
+        </p:nvSpPr>
+        <p:spPr>
+          <a:xfrm>
+            <a:off x="3348477" y="367102"/>
+            <a:ext cx="1152000" cy="288000"/>
+          </a:xfrm>
+          <a:prstGeom prst="rect">
+            <a:avLst/>
+          </a:prstGeom>
+          <a:solidFill>
+            <a:schemeClr val="bg1"/>
+          </a:solidFill>
+          <a:ln>
+            <a:solidFill>
+              <a:schemeClr val="tx1"/>
+            </a:solidFill>
+          </a:ln>
+        </p:spPr>
+        <p:style>
+          <a:lnRef idx="2">
+            <a:schemeClr val="accent1">
+              <a:shade val="50000"/>
+            </a:schemeClr>
+          </a:lnRef>
+          <a:fillRef idx="1">
+            <a:schemeClr val="accent1"/>
+          </a:fillRef>
+          <a:effectRef idx="0">
+            <a:schemeClr val="accent1"/>
+          </a:effectRef>
+          <a:fontRef idx="minor">
+            <a:schemeClr val="lt1"/>
+          </a:fontRef>
+        </p:style>
+        <p:txBody>
+          <a:bodyPr rtlCol="0" anchor="ctr"/>
+          <a:lstStyle/>
+          <a:p>
+            <a:pPr algn="ctr"/>
+            <a:r>
+              <a:rPr kumimoji="1" lang="en-US" altLang="ja-JP" sz="800" dirty="0">
+                <a:solidFill>
+                  <a:schemeClr val="tx1"/>
+                </a:solidFill>
+              </a:rPr>
+              <a:t>HiSLIP </a:t>
+            </a:r>
+            <a:r>
+              <a:rPr lang="en-US" altLang="ja-JP" sz="800" dirty="0">
+                <a:solidFill>
+                  <a:schemeClr val="tx1"/>
+                </a:solidFill>
+              </a:rPr>
+              <a:t> </a:t>
+            </a:r>
+            <a:r>
+              <a:rPr lang="ja-JP" altLang="en-US" sz="800" dirty="0">
+                <a:solidFill>
+                  <a:schemeClr val="tx1"/>
+                </a:solidFill>
+              </a:rPr>
+              <a:t>サーバ</a:t>
+            </a:r>
+            <a:endParaRPr kumimoji="1" lang="ja-JP" altLang="en-US" sz="800" dirty="0">
+              <a:solidFill>
+                <a:schemeClr val="tx1"/>
+              </a:solidFill>
+            </a:endParaRPr>
+          </a:p>
+        </p:txBody>
+      </p:sp>
+      <p:cxnSp>
+        <p:nvCxnSpPr>
+          <p:cNvPr id="9" name="直線コネクタ 8">
+            <a:extLst>
+              <a:ext uri="{FF2B5EF4-FFF2-40B4-BE49-F238E27FC236}">
+                <a16:creationId xmlns:a16="http://schemas.microsoft.com/office/drawing/2014/main" id="{6D87E0D6-C7C5-0EB8-7D06-50A62A1B4948}"/>
+              </a:ext>
+            </a:extLst>
+          </p:cNvPr>
+          <p:cNvCxnSpPr>
+            <a:cxnSpLocks/>
+            <a:stCxn id="8" idx="2"/>
+          </p:cNvCxnSpPr>
+          <p:nvPr/>
+        </p:nvCxnSpPr>
+        <p:spPr>
+          <a:xfrm>
+            <a:off x="3924477" y="655102"/>
+            <a:ext cx="0" cy="3564000"/>
+          </a:xfrm>
+          <a:prstGeom prst="line">
+            <a:avLst/>
+          </a:prstGeom>
+          <a:ln>
+            <a:solidFill>
+              <a:schemeClr val="tx1"/>
+            </a:solidFill>
+          </a:ln>
+        </p:spPr>
+        <p:style>
+          <a:lnRef idx="1">
+            <a:schemeClr val="accent1"/>
+          </a:lnRef>
+          <a:fillRef idx="0">
+            <a:schemeClr val="accent1"/>
+          </a:fillRef>
+          <a:effectRef idx="0">
+            <a:schemeClr val="accent1"/>
+          </a:effectRef>
+          <a:fontRef idx="minor">
+            <a:schemeClr val="tx1"/>
+          </a:fontRef>
+        </p:style>
+      </p:cxnSp>
+      <p:cxnSp>
+        <p:nvCxnSpPr>
+          <p:cNvPr id="10" name="直線矢印コネクタ 9">
+            <a:extLst>
+              <a:ext uri="{FF2B5EF4-FFF2-40B4-BE49-F238E27FC236}">
+                <a16:creationId xmlns:a16="http://schemas.microsoft.com/office/drawing/2014/main" id="{ADEABDDB-D226-97BB-2174-A8A149514348}"/>
+              </a:ext>
+            </a:extLst>
+          </p:cNvPr>
+          <p:cNvCxnSpPr>
+            <a:cxnSpLocks/>
+          </p:cNvCxnSpPr>
+          <p:nvPr/>
+        </p:nvCxnSpPr>
+        <p:spPr>
+          <a:xfrm>
+            <a:off x="2609139" y="1455734"/>
+            <a:ext cx="1260000" cy="144000"/>
+          </a:xfrm>
+          <a:prstGeom prst="straightConnector1">
+            <a:avLst/>
+          </a:prstGeom>
+          <a:ln>
+            <a:solidFill>
+              <a:schemeClr val="tx1"/>
+            </a:solidFill>
+            <a:tailEnd type="triangle"/>
+          </a:ln>
+        </p:spPr>
+        <p:style>
+          <a:lnRef idx="1">
+            <a:schemeClr val="accent1"/>
+          </a:lnRef>
+          <a:fillRef idx="0">
+            <a:schemeClr val="accent1"/>
+          </a:fillRef>
+          <a:effectRef idx="0">
+            <a:schemeClr val="accent1"/>
+          </a:effectRef>
+          <a:fontRef idx="minor">
+            <a:schemeClr val="tx1"/>
+          </a:fontRef>
+        </p:style>
+      </p:cxnSp>
+      <p:sp>
+        <p:nvSpPr>
+          <p:cNvPr id="11" name="テキスト ボックス 10">
+            <a:extLst>
+              <a:ext uri="{FF2B5EF4-FFF2-40B4-BE49-F238E27FC236}">
+                <a16:creationId xmlns:a16="http://schemas.microsoft.com/office/drawing/2014/main" id="{F843D7C7-8BE0-EA02-A583-1B8598C12608}"/>
+              </a:ext>
+            </a:extLst>
+          </p:cNvPr>
+          <p:cNvSpPr txBox="1"/>
+          <p:nvPr/>
+        </p:nvSpPr>
+        <p:spPr>
+          <a:xfrm>
+            <a:off x="634177" y="1133228"/>
+            <a:ext cx="516488" cy="215444"/>
+          </a:xfrm>
+          <a:prstGeom prst="rect">
+            <a:avLst/>
+          </a:prstGeom>
+          <a:noFill/>
+        </p:spPr>
+        <p:txBody>
+          <a:bodyPr wrap="none" rtlCol="0">
+            <a:spAutoFit/>
+          </a:bodyPr>
+          <a:lstStyle/>
+          <a:p>
+            <a:pPr algn="r"/>
+            <a:r>
+              <a:rPr kumimoji="1" lang="en-US" altLang="ja-JP" sz="800" dirty="0"/>
+              <a:t>viWrite</a:t>
+            </a:r>
+            <a:endParaRPr kumimoji="1" lang="ja-JP" altLang="en-US" sz="800" dirty="0"/>
+          </a:p>
+        </p:txBody>
+      </p:sp>
+      <p:cxnSp>
+        <p:nvCxnSpPr>
+          <p:cNvPr id="12" name="直線矢印コネクタ 11">
+            <a:extLst>
+              <a:ext uri="{FF2B5EF4-FFF2-40B4-BE49-F238E27FC236}">
+                <a16:creationId xmlns:a16="http://schemas.microsoft.com/office/drawing/2014/main" id="{22A95ECF-7EE5-6413-2FC2-F55D054E8876}"/>
+              </a:ext>
+            </a:extLst>
+          </p:cNvPr>
+          <p:cNvCxnSpPr>
+            <a:cxnSpLocks/>
+          </p:cNvCxnSpPr>
+          <p:nvPr/>
+        </p:nvCxnSpPr>
+        <p:spPr>
+          <a:xfrm flipH="1">
+            <a:off x="2609139" y="3556972"/>
+            <a:ext cx="1260000" cy="144000"/>
+          </a:xfrm>
+          <a:prstGeom prst="straightConnector1">
+            <a:avLst/>
+          </a:prstGeom>
+          <a:ln>
+            <a:solidFill>
+              <a:schemeClr val="tx1"/>
+            </a:solidFill>
+            <a:tailEnd type="triangle"/>
+          </a:ln>
+        </p:spPr>
+        <p:style>
+          <a:lnRef idx="1">
+            <a:schemeClr val="accent1"/>
+          </a:lnRef>
+          <a:fillRef idx="0">
+            <a:schemeClr val="accent1"/>
+          </a:fillRef>
+          <a:effectRef idx="0">
+            <a:schemeClr val="accent1"/>
+          </a:effectRef>
+          <a:fontRef idx="minor">
+            <a:schemeClr val="tx1"/>
+          </a:fontRef>
+        </p:style>
+      </p:cxnSp>
+      <p:sp>
+        <p:nvSpPr>
+          <p:cNvPr id="13" name="正方形/長方形 12">
+            <a:extLst>
+              <a:ext uri="{FF2B5EF4-FFF2-40B4-BE49-F238E27FC236}">
+                <a16:creationId xmlns:a16="http://schemas.microsoft.com/office/drawing/2014/main" id="{E31B9E55-A2F8-0BD8-3502-6B7C180FE0C9}"/>
+              </a:ext>
+            </a:extLst>
+          </p:cNvPr>
+          <p:cNvSpPr/>
+          <p:nvPr/>
+        </p:nvSpPr>
+        <p:spPr>
+          <a:xfrm>
+            <a:off x="645220" y="357271"/>
+            <a:ext cx="1152000" cy="288000"/>
+          </a:xfrm>
+          <a:prstGeom prst="rect">
+            <a:avLst/>
+          </a:prstGeom>
+          <a:solidFill>
+            <a:schemeClr val="bg1"/>
+          </a:solidFill>
+          <a:ln>
+            <a:solidFill>
+              <a:schemeClr val="tx1"/>
+            </a:solidFill>
+          </a:ln>
+        </p:spPr>
+        <p:style>
+          <a:lnRef idx="2">
+            <a:schemeClr val="accent1">
+              <a:shade val="50000"/>
+            </a:schemeClr>
+          </a:lnRef>
+          <a:fillRef idx="1">
+            <a:schemeClr val="accent1"/>
+          </a:fillRef>
+          <a:effectRef idx="0">
+            <a:schemeClr val="accent1"/>
+          </a:effectRef>
+          <a:fontRef idx="minor">
+            <a:schemeClr val="lt1"/>
+          </a:fontRef>
+        </p:style>
+        <p:txBody>
+          <a:bodyPr rtlCol="0" anchor="ctr"/>
+          <a:lstStyle/>
+          <a:p>
+            <a:pPr algn="ctr"/>
+            <a:r>
+              <a:rPr kumimoji="1" lang="ja-JP" altLang="en-US" sz="800" dirty="0">
+                <a:solidFill>
+                  <a:schemeClr val="tx1"/>
+                </a:solidFill>
+              </a:rPr>
+              <a:t>クライアントアプリ</a:t>
+            </a:r>
+          </a:p>
+        </p:txBody>
+      </p:sp>
+      <p:cxnSp>
+        <p:nvCxnSpPr>
+          <p:cNvPr id="14" name="直線コネクタ 13">
+            <a:extLst>
+              <a:ext uri="{FF2B5EF4-FFF2-40B4-BE49-F238E27FC236}">
+                <a16:creationId xmlns:a16="http://schemas.microsoft.com/office/drawing/2014/main" id="{46C29EE8-5A5C-D806-D4A7-7A11BE34DA75}"/>
+              </a:ext>
+            </a:extLst>
+          </p:cNvPr>
+          <p:cNvCxnSpPr>
+            <a:cxnSpLocks/>
+            <a:stCxn id="13" idx="2"/>
+          </p:cNvCxnSpPr>
+          <p:nvPr/>
+        </p:nvCxnSpPr>
+        <p:spPr>
+          <a:xfrm>
+            <a:off x="1221220" y="645271"/>
+            <a:ext cx="0" cy="3564000"/>
+          </a:xfrm>
+          <a:prstGeom prst="line">
+            <a:avLst/>
+          </a:prstGeom>
+          <a:ln>
+            <a:solidFill>
+              <a:schemeClr val="tx1"/>
+            </a:solidFill>
+          </a:ln>
+        </p:spPr>
+        <p:style>
+          <a:lnRef idx="1">
+            <a:schemeClr val="accent1"/>
+          </a:lnRef>
+          <a:fillRef idx="0">
+            <a:schemeClr val="accent1"/>
+          </a:fillRef>
+          <a:effectRef idx="0">
+            <a:schemeClr val="accent1"/>
+          </a:effectRef>
+          <a:fontRef idx="minor">
+            <a:schemeClr val="tx1"/>
+          </a:fontRef>
+        </p:style>
+      </p:cxnSp>
+      <p:sp>
+        <p:nvSpPr>
+          <p:cNvPr id="16" name="テキスト ボックス 15">
+            <a:extLst>
+              <a:ext uri="{FF2B5EF4-FFF2-40B4-BE49-F238E27FC236}">
+                <a16:creationId xmlns:a16="http://schemas.microsoft.com/office/drawing/2014/main" id="{3079D5EA-2497-4639-9C0D-563BCFF175B6}"/>
+              </a:ext>
+            </a:extLst>
+          </p:cNvPr>
+          <p:cNvSpPr txBox="1"/>
+          <p:nvPr/>
+        </p:nvSpPr>
+        <p:spPr>
+          <a:xfrm>
+            <a:off x="635803" y="3787669"/>
+            <a:ext cx="505267" cy="215444"/>
+          </a:xfrm>
+          <a:prstGeom prst="rect">
+            <a:avLst/>
+          </a:prstGeom>
+          <a:noFill/>
+        </p:spPr>
+        <p:txBody>
+          <a:bodyPr wrap="none" rtlCol="0">
+            <a:spAutoFit/>
+          </a:bodyPr>
+          <a:lstStyle/>
+          <a:p>
+            <a:pPr algn="r"/>
+            <a:r>
+              <a:rPr kumimoji="1" lang="en-US" altLang="ja-JP" sz="800" dirty="0"/>
+              <a:t>viRead</a:t>
+            </a:r>
+            <a:endParaRPr kumimoji="1" lang="ja-JP" altLang="en-US" sz="800" dirty="0"/>
+          </a:p>
+        </p:txBody>
+      </p:sp>
+      <p:cxnSp>
+        <p:nvCxnSpPr>
+          <p:cNvPr id="17" name="直線矢印コネクタ 16">
+            <a:extLst>
+              <a:ext uri="{FF2B5EF4-FFF2-40B4-BE49-F238E27FC236}">
+                <a16:creationId xmlns:a16="http://schemas.microsoft.com/office/drawing/2014/main" id="{8D992498-C830-1125-14FF-C69CB4F01FE2}"/>
+              </a:ext>
+            </a:extLst>
+          </p:cNvPr>
+          <p:cNvCxnSpPr>
+            <a:cxnSpLocks/>
+          </p:cNvCxnSpPr>
+          <p:nvPr/>
+        </p:nvCxnSpPr>
+        <p:spPr>
+          <a:xfrm>
+            <a:off x="1274057" y="1225612"/>
+            <a:ext cx="1260000" cy="144000"/>
+          </a:xfrm>
+          <a:prstGeom prst="straightConnector1">
+            <a:avLst/>
+          </a:prstGeom>
+          <a:ln>
+            <a:solidFill>
+              <a:schemeClr val="tx1"/>
+            </a:solidFill>
+            <a:tailEnd type="triangle"/>
+          </a:ln>
+        </p:spPr>
+        <p:style>
+          <a:lnRef idx="1">
+            <a:schemeClr val="accent1"/>
+          </a:lnRef>
+          <a:fillRef idx="0">
+            <a:schemeClr val="accent1"/>
+          </a:fillRef>
+          <a:effectRef idx="0">
+            <a:schemeClr val="accent1"/>
+          </a:effectRef>
+          <a:fontRef idx="minor">
+            <a:schemeClr val="tx1"/>
+          </a:fontRef>
+        </p:style>
+      </p:cxnSp>
+      <p:cxnSp>
+        <p:nvCxnSpPr>
+          <p:cNvPr id="19" name="直線矢印コネクタ 18">
+            <a:extLst>
+              <a:ext uri="{FF2B5EF4-FFF2-40B4-BE49-F238E27FC236}">
+                <a16:creationId xmlns:a16="http://schemas.microsoft.com/office/drawing/2014/main" id="{EBB642C6-8612-8AD7-2179-EFA807AE46DC}"/>
+              </a:ext>
+            </a:extLst>
+          </p:cNvPr>
+          <p:cNvCxnSpPr>
+            <a:cxnSpLocks/>
+          </p:cNvCxnSpPr>
+          <p:nvPr/>
+        </p:nvCxnSpPr>
+        <p:spPr>
+          <a:xfrm flipH="1">
+            <a:off x="1237831" y="3816928"/>
+            <a:ext cx="1260000" cy="144000"/>
+          </a:xfrm>
+          <a:prstGeom prst="straightConnector1">
+            <a:avLst/>
+          </a:prstGeom>
+          <a:ln>
+            <a:solidFill>
+              <a:schemeClr val="tx1"/>
+            </a:solidFill>
+            <a:tailEnd type="triangle"/>
+          </a:ln>
+        </p:spPr>
+        <p:style>
+          <a:lnRef idx="1">
+            <a:schemeClr val="accent1"/>
+          </a:lnRef>
+          <a:fillRef idx="0">
+            <a:schemeClr val="accent1"/>
+          </a:fillRef>
+          <a:effectRef idx="0">
+            <a:schemeClr val="accent1"/>
+          </a:effectRef>
+          <a:fontRef idx="minor">
+            <a:schemeClr val="tx1"/>
+          </a:fontRef>
+        </p:style>
+      </p:cxnSp>
+      <p:sp>
+        <p:nvSpPr>
+          <p:cNvPr id="23" name="テキスト ボックス 22">
+            <a:extLst>
+              <a:ext uri="{FF2B5EF4-FFF2-40B4-BE49-F238E27FC236}">
+                <a16:creationId xmlns:a16="http://schemas.microsoft.com/office/drawing/2014/main" id="{61DFC509-02B2-78DB-FE58-2745D7AFDB64}"/>
+              </a:ext>
+            </a:extLst>
+          </p:cNvPr>
+          <p:cNvSpPr txBox="1"/>
+          <p:nvPr/>
+        </p:nvSpPr>
+        <p:spPr>
+          <a:xfrm>
+            <a:off x="2685943" y="3361703"/>
+            <a:ext cx="1106393" cy="215444"/>
+          </a:xfrm>
+          <a:prstGeom prst="rect">
+            <a:avLst/>
+          </a:prstGeom>
+          <a:noFill/>
+        </p:spPr>
+        <p:txBody>
+          <a:bodyPr wrap="none" rtlCol="0">
+            <a:spAutoFit/>
+          </a:bodyPr>
+          <a:lstStyle/>
+          <a:p>
+            <a:r>
+              <a:rPr kumimoji="1" lang="en-US" altLang="ja-JP" sz="800" dirty="0"/>
+              <a:t>Response w/ RMT</a:t>
+            </a:r>
+            <a:endParaRPr kumimoji="1" lang="ja-JP" altLang="en-US" sz="800" dirty="0"/>
+          </a:p>
+        </p:txBody>
+      </p:sp>
+      <p:sp>
+        <p:nvSpPr>
+          <p:cNvPr id="25" name="爆発: 14 pt 24">
+            <a:extLst>
+              <a:ext uri="{FF2B5EF4-FFF2-40B4-BE49-F238E27FC236}">
+                <a16:creationId xmlns:a16="http://schemas.microsoft.com/office/drawing/2014/main" id="{5D6A507B-A34C-9E76-18F4-C6EA28C97833}"/>
+              </a:ext>
+            </a:extLst>
+          </p:cNvPr>
+          <p:cNvSpPr/>
+          <p:nvPr/>
+        </p:nvSpPr>
+        <p:spPr>
+          <a:xfrm>
+            <a:off x="3960552" y="2399836"/>
+            <a:ext cx="180000" cy="180000"/>
+          </a:xfrm>
+          <a:prstGeom prst="irregularSeal2">
+            <a:avLst/>
+          </a:prstGeom>
+        </p:spPr>
+        <p:style>
+          <a:lnRef idx="2">
+            <a:schemeClr val="accent2">
+              <a:shade val="50000"/>
+            </a:schemeClr>
+          </a:lnRef>
+          <a:fillRef idx="1">
+            <a:schemeClr val="accent2"/>
+          </a:fillRef>
+          <a:effectRef idx="0">
+            <a:schemeClr val="accent2"/>
+          </a:effectRef>
+          <a:fontRef idx="minor">
+            <a:schemeClr val="lt1"/>
+          </a:fontRef>
+        </p:style>
+        <p:txBody>
+          <a:bodyPr rtlCol="0" anchor="ctr"/>
+          <a:lstStyle/>
+          <a:p>
+            <a:pPr algn="ctr"/>
+            <a:endParaRPr kumimoji="1" lang="ja-JP" altLang="en-US"/>
+          </a:p>
+        </p:txBody>
+      </p:sp>
+      <p:sp>
+        <p:nvSpPr>
+          <p:cNvPr id="26" name="テキスト ボックス 25">
+            <a:extLst>
+              <a:ext uri="{FF2B5EF4-FFF2-40B4-BE49-F238E27FC236}">
+                <a16:creationId xmlns:a16="http://schemas.microsoft.com/office/drawing/2014/main" id="{B36FBCBE-D3C3-172A-9543-1F38F2B934A5}"/>
+              </a:ext>
+            </a:extLst>
+          </p:cNvPr>
+          <p:cNvSpPr txBox="1"/>
+          <p:nvPr/>
+        </p:nvSpPr>
+        <p:spPr>
+          <a:xfrm>
+            <a:off x="2782402" y="1939664"/>
+            <a:ext cx="1309974" cy="215444"/>
+          </a:xfrm>
+          <a:prstGeom prst="rect">
+            <a:avLst/>
+          </a:prstGeom>
+          <a:noFill/>
+        </p:spPr>
+        <p:txBody>
+          <a:bodyPr wrap="none" rtlCol="0">
+            <a:spAutoFit/>
+          </a:bodyPr>
+          <a:lstStyle/>
+          <a:p>
+            <a:r>
+              <a:rPr kumimoji="1" lang="en-US" altLang="ja-JP" sz="800" dirty="0"/>
+              <a:t>Query w/ eom(no RMT)</a:t>
+            </a:r>
+            <a:endParaRPr kumimoji="1" lang="ja-JP" altLang="en-US" sz="800" dirty="0"/>
+          </a:p>
+        </p:txBody>
+      </p:sp>
+      <p:cxnSp>
+        <p:nvCxnSpPr>
+          <p:cNvPr id="27" name="直線矢印コネクタ 26">
+            <a:extLst>
+              <a:ext uri="{FF2B5EF4-FFF2-40B4-BE49-F238E27FC236}">
+                <a16:creationId xmlns:a16="http://schemas.microsoft.com/office/drawing/2014/main" id="{145B8041-2EC5-CFC6-F3D7-3A43D6960A19}"/>
+              </a:ext>
+            </a:extLst>
+          </p:cNvPr>
+          <p:cNvCxnSpPr>
+            <a:cxnSpLocks/>
+          </p:cNvCxnSpPr>
+          <p:nvPr/>
+        </p:nvCxnSpPr>
+        <p:spPr>
+          <a:xfrm>
+            <a:off x="2580564" y="2084384"/>
+            <a:ext cx="1260000" cy="144000"/>
+          </a:xfrm>
+          <a:prstGeom prst="straightConnector1">
+            <a:avLst/>
+          </a:prstGeom>
+          <a:ln>
+            <a:solidFill>
+              <a:schemeClr val="tx1"/>
+            </a:solidFill>
+            <a:tailEnd type="triangle"/>
+          </a:ln>
+        </p:spPr>
+        <p:style>
+          <a:lnRef idx="1">
+            <a:schemeClr val="accent1"/>
+          </a:lnRef>
+          <a:fillRef idx="0">
+            <a:schemeClr val="accent1"/>
+          </a:fillRef>
+          <a:effectRef idx="0">
+            <a:schemeClr val="accent1"/>
+          </a:effectRef>
+          <a:fontRef idx="minor">
+            <a:schemeClr val="tx1"/>
+          </a:fontRef>
+        </p:style>
+      </p:cxnSp>
+      <p:sp>
+        <p:nvSpPr>
+          <p:cNvPr id="28" name="テキスト ボックス 27">
+            <a:extLst>
+              <a:ext uri="{FF2B5EF4-FFF2-40B4-BE49-F238E27FC236}">
+                <a16:creationId xmlns:a16="http://schemas.microsoft.com/office/drawing/2014/main" id="{03DC55E4-5A0F-593C-AF3A-EA1521FABAD4}"/>
+              </a:ext>
+            </a:extLst>
+          </p:cNvPr>
+          <p:cNvSpPr txBox="1"/>
+          <p:nvPr/>
+        </p:nvSpPr>
+        <p:spPr>
+          <a:xfrm>
+            <a:off x="605602" y="1761878"/>
+            <a:ext cx="516488" cy="215444"/>
+          </a:xfrm>
+          <a:prstGeom prst="rect">
+            <a:avLst/>
+          </a:prstGeom>
+          <a:noFill/>
+        </p:spPr>
+        <p:txBody>
+          <a:bodyPr wrap="none" rtlCol="0">
+            <a:spAutoFit/>
+          </a:bodyPr>
+          <a:lstStyle/>
+          <a:p>
+            <a:pPr algn="r"/>
+            <a:r>
+              <a:rPr kumimoji="1" lang="en-US" altLang="ja-JP" sz="800" dirty="0"/>
+              <a:t>viWrite</a:t>
+            </a:r>
+            <a:endParaRPr kumimoji="1" lang="ja-JP" altLang="en-US" sz="800" dirty="0"/>
+          </a:p>
+        </p:txBody>
+      </p:sp>
+      <p:cxnSp>
+        <p:nvCxnSpPr>
+          <p:cNvPr id="29" name="直線矢印コネクタ 28">
+            <a:extLst>
+              <a:ext uri="{FF2B5EF4-FFF2-40B4-BE49-F238E27FC236}">
+                <a16:creationId xmlns:a16="http://schemas.microsoft.com/office/drawing/2014/main" id="{A94BF566-5C5E-F3C7-0179-656B04CB71E9}"/>
+              </a:ext>
+            </a:extLst>
+          </p:cNvPr>
+          <p:cNvCxnSpPr>
+            <a:cxnSpLocks/>
+          </p:cNvCxnSpPr>
+          <p:nvPr/>
+        </p:nvCxnSpPr>
+        <p:spPr>
+          <a:xfrm>
+            <a:off x="1245482" y="1854262"/>
+            <a:ext cx="1260000" cy="144000"/>
+          </a:xfrm>
+          <a:prstGeom prst="straightConnector1">
+            <a:avLst/>
+          </a:prstGeom>
+          <a:ln>
+            <a:solidFill>
+              <a:schemeClr val="tx1"/>
+            </a:solidFill>
+            <a:tailEnd type="triangle"/>
+          </a:ln>
+        </p:spPr>
+        <p:style>
+          <a:lnRef idx="1">
+            <a:schemeClr val="accent1"/>
+          </a:lnRef>
+          <a:fillRef idx="0">
+            <a:schemeClr val="accent1"/>
+          </a:fillRef>
+          <a:effectRef idx="0">
+            <a:schemeClr val="accent1"/>
+          </a:effectRef>
+          <a:fontRef idx="minor">
+            <a:schemeClr val="tx1"/>
+          </a:fontRef>
+        </p:style>
+      </p:cxnSp>
+      <p:cxnSp>
+        <p:nvCxnSpPr>
+          <p:cNvPr id="30" name="直線矢印コネクタ 29">
+            <a:extLst>
+              <a:ext uri="{FF2B5EF4-FFF2-40B4-BE49-F238E27FC236}">
+                <a16:creationId xmlns:a16="http://schemas.microsoft.com/office/drawing/2014/main" id="{330CDF39-612D-347D-2450-6974E1595662}"/>
+              </a:ext>
+            </a:extLst>
+          </p:cNvPr>
+          <p:cNvCxnSpPr>
+            <a:cxnSpLocks/>
+          </p:cNvCxnSpPr>
+          <p:nvPr/>
+        </p:nvCxnSpPr>
+        <p:spPr>
+          <a:xfrm flipH="1">
+            <a:off x="2590089" y="2665543"/>
+            <a:ext cx="1260000" cy="144000"/>
+          </a:xfrm>
+          <a:prstGeom prst="straightConnector1">
+            <a:avLst/>
+          </a:prstGeom>
+          <a:ln>
+            <a:solidFill>
+              <a:schemeClr val="tx1"/>
+            </a:solidFill>
+            <a:prstDash val="solid"/>
+            <a:tailEnd type="triangle"/>
+          </a:ln>
+        </p:spPr>
+        <p:style>
+          <a:lnRef idx="1">
+            <a:schemeClr val="accent1"/>
+          </a:lnRef>
+          <a:fillRef idx="0">
+            <a:schemeClr val="accent1"/>
+          </a:fillRef>
+          <a:effectRef idx="0">
+            <a:schemeClr val="accent1"/>
+          </a:effectRef>
+          <a:fontRef idx="minor">
+            <a:schemeClr val="tx1"/>
+          </a:fontRef>
+        </p:style>
+      </p:cxnSp>
+      <p:sp>
+        <p:nvSpPr>
+          <p:cNvPr id="31" name="テキスト ボックス 30">
+            <a:extLst>
+              <a:ext uri="{FF2B5EF4-FFF2-40B4-BE49-F238E27FC236}">
+                <a16:creationId xmlns:a16="http://schemas.microsoft.com/office/drawing/2014/main" id="{6E622D36-6B23-0FC6-58FA-9F2A429351FE}"/>
+              </a:ext>
+            </a:extLst>
+          </p:cNvPr>
+          <p:cNvSpPr txBox="1"/>
+          <p:nvPr/>
+        </p:nvSpPr>
+        <p:spPr>
+          <a:xfrm>
+            <a:off x="2666893" y="2413124"/>
+            <a:ext cx="1167307" cy="215444"/>
+          </a:xfrm>
+          <a:prstGeom prst="rect">
+            <a:avLst/>
+          </a:prstGeom>
+          <a:noFill/>
+        </p:spPr>
+        <p:txBody>
+          <a:bodyPr wrap="none" rtlCol="0">
+            <a:spAutoFit/>
+          </a:bodyPr>
+          <a:lstStyle/>
+          <a:p>
+            <a:r>
+              <a:rPr kumimoji="1" lang="en-US" altLang="ja-JP" sz="800" dirty="0"/>
+              <a:t>Interrupted message</a:t>
+            </a:r>
+            <a:endParaRPr kumimoji="1" lang="ja-JP" altLang="en-US" sz="800" dirty="0"/>
+          </a:p>
+        </p:txBody>
+      </p:sp>
+      <p:cxnSp>
+        <p:nvCxnSpPr>
+          <p:cNvPr id="2" name="直線矢印コネクタ 1">
+            <a:extLst>
+              <a:ext uri="{FF2B5EF4-FFF2-40B4-BE49-F238E27FC236}">
+                <a16:creationId xmlns:a16="http://schemas.microsoft.com/office/drawing/2014/main" id="{1AAD8C9F-CD01-FD09-EBC4-EA0B49F0C0A0}"/>
+              </a:ext>
+            </a:extLst>
+          </p:cNvPr>
+          <p:cNvCxnSpPr>
+            <a:cxnSpLocks/>
+          </p:cNvCxnSpPr>
+          <p:nvPr/>
+        </p:nvCxnSpPr>
+        <p:spPr>
+          <a:xfrm flipH="1">
+            <a:off x="2634909" y="3113778"/>
+            <a:ext cx="1260000" cy="144000"/>
+          </a:xfrm>
+          <a:prstGeom prst="straightConnector1">
+            <a:avLst/>
+          </a:prstGeom>
+          <a:ln>
+            <a:solidFill>
+              <a:schemeClr val="tx1"/>
+            </a:solidFill>
+            <a:prstDash val="dash"/>
+            <a:tailEnd type="triangle"/>
+          </a:ln>
+        </p:spPr>
+        <p:style>
+          <a:lnRef idx="1">
+            <a:schemeClr val="accent1"/>
+          </a:lnRef>
+          <a:fillRef idx="0">
+            <a:schemeClr val="accent1"/>
+          </a:fillRef>
+          <a:effectRef idx="0">
+            <a:schemeClr val="accent1"/>
+          </a:effectRef>
+          <a:fontRef idx="minor">
+            <a:schemeClr val="tx1"/>
+          </a:fontRef>
+        </p:style>
+      </p:cxnSp>
+      <p:sp>
+        <p:nvSpPr>
+          <p:cNvPr id="6" name="テキスト ボックス 5">
+            <a:extLst>
+              <a:ext uri="{FF2B5EF4-FFF2-40B4-BE49-F238E27FC236}">
+                <a16:creationId xmlns:a16="http://schemas.microsoft.com/office/drawing/2014/main" id="{56E6EC24-97B3-F7F8-1737-FD044BD5956A}"/>
+              </a:ext>
+            </a:extLst>
+          </p:cNvPr>
+          <p:cNvSpPr txBox="1"/>
+          <p:nvPr/>
+        </p:nvSpPr>
+        <p:spPr>
+          <a:xfrm>
+            <a:off x="2541384" y="2897219"/>
+            <a:ext cx="1451038" cy="215444"/>
+          </a:xfrm>
+          <a:prstGeom prst="rect">
+            <a:avLst/>
+          </a:prstGeom>
+          <a:noFill/>
+        </p:spPr>
+        <p:txBody>
+          <a:bodyPr wrap="none" rtlCol="0">
+            <a:spAutoFit/>
+          </a:bodyPr>
+          <a:lstStyle/>
+          <a:p>
+            <a:r>
+              <a:rPr kumimoji="1" lang="en-US" altLang="ja-JP" sz="800" dirty="0"/>
+              <a:t>AsyncInterrupted message</a:t>
+            </a:r>
+            <a:endParaRPr kumimoji="1" lang="ja-JP" altLang="en-US" sz="800" dirty="0"/>
+          </a:p>
+        </p:txBody>
+      </p:sp>
+      <p:sp>
+        <p:nvSpPr>
+          <p:cNvPr id="15" name="爆発: 14 pt 14">
+            <a:extLst>
+              <a:ext uri="{FF2B5EF4-FFF2-40B4-BE49-F238E27FC236}">
+                <a16:creationId xmlns:a16="http://schemas.microsoft.com/office/drawing/2014/main" id="{D404B27D-AA95-D641-0236-1326004EF04C}"/>
+              </a:ext>
+            </a:extLst>
+          </p:cNvPr>
+          <p:cNvSpPr/>
+          <p:nvPr/>
+        </p:nvSpPr>
+        <p:spPr>
+          <a:xfrm>
+            <a:off x="2301231" y="3167778"/>
+            <a:ext cx="180000" cy="180000"/>
+          </a:xfrm>
+          <a:prstGeom prst="irregularSeal2">
+            <a:avLst/>
+          </a:prstGeom>
+        </p:spPr>
+        <p:style>
+          <a:lnRef idx="2">
+            <a:schemeClr val="accent2">
+              <a:shade val="50000"/>
+            </a:schemeClr>
+          </a:lnRef>
+          <a:fillRef idx="1">
+            <a:schemeClr val="accent2"/>
+          </a:fillRef>
+          <a:effectRef idx="0">
+            <a:schemeClr val="accent2"/>
+          </a:effectRef>
+          <a:fontRef idx="minor">
+            <a:schemeClr val="lt1"/>
+          </a:fontRef>
+        </p:style>
+        <p:txBody>
+          <a:bodyPr rtlCol="0" anchor="ctr"/>
+          <a:lstStyle/>
+          <a:p>
+            <a:pPr algn="ctr"/>
+            <a:endParaRPr kumimoji="1" lang="ja-JP" altLang="en-US"/>
+          </a:p>
+        </p:txBody>
+      </p:sp>
     </p:spTree>
     <p:extLst>
       <p:ext uri="{BB962C8B-B14F-4D97-AF65-F5344CB8AC3E}">
@@ -4291,31 +6274,6 @@
           <a:chExt cx="0" cy="0"/>
         </a:xfrm>
       </p:grpSpPr>
-      <p:sp>
-        <p:nvSpPr>
-          <p:cNvPr id="2" name="タイトル 1">
-            <a:extLst>
-              <a:ext uri="{FF2B5EF4-FFF2-40B4-BE49-F238E27FC236}">
-                <a16:creationId xmlns:a16="http://schemas.microsoft.com/office/drawing/2014/main" id="{917AABB8-149D-8697-CF28-3A3A527DB82C}"/>
-              </a:ext>
-            </a:extLst>
-          </p:cNvPr>
-          <p:cNvSpPr>
-            <a:spLocks noGrp="1"/>
-          </p:cNvSpPr>
-          <p:nvPr>
-            <p:ph type="title"/>
-          </p:nvPr>
-        </p:nvSpPr>
-        <p:spPr/>
-        <p:txBody>
-          <a:bodyPr/>
-          <a:lstStyle/>
-          <a:p>
-            <a:endParaRPr kumimoji="1" lang="ja-JP" altLang="en-US"/>
-          </a:p>
-        </p:txBody>
-      </p:sp>
       <p:pic>
         <p:nvPicPr>
           <p:cNvPr id="5" name="コンテンツ プレースホルダー 4">
@@ -4346,11 +6304,1172 @@
         </p:blipFill>
         <p:spPr>
           <a:xfrm>
-            <a:off x="3090443" y="1938843"/>
+            <a:off x="5890793" y="2510343"/>
             <a:ext cx="6011114" cy="4124901"/>
           </a:xfrm>
         </p:spPr>
       </p:pic>
+      <p:sp>
+        <p:nvSpPr>
+          <p:cNvPr id="3" name="正方形/長方形 2">
+            <a:extLst>
+              <a:ext uri="{FF2B5EF4-FFF2-40B4-BE49-F238E27FC236}">
+                <a16:creationId xmlns:a16="http://schemas.microsoft.com/office/drawing/2014/main" id="{4283101E-664C-4E87-B383-6686BD7A1468}"/>
+              </a:ext>
+            </a:extLst>
+          </p:cNvPr>
+          <p:cNvSpPr/>
+          <p:nvPr/>
+        </p:nvSpPr>
+        <p:spPr>
+          <a:xfrm>
+            <a:off x="1965816" y="367102"/>
+            <a:ext cx="1152000" cy="288000"/>
+          </a:xfrm>
+          <a:prstGeom prst="rect">
+            <a:avLst/>
+          </a:prstGeom>
+          <a:solidFill>
+            <a:schemeClr val="bg1"/>
+          </a:solidFill>
+          <a:ln>
+            <a:solidFill>
+              <a:schemeClr val="tx1"/>
+            </a:solidFill>
+          </a:ln>
+        </p:spPr>
+        <p:style>
+          <a:lnRef idx="2">
+            <a:schemeClr val="accent1">
+              <a:shade val="50000"/>
+            </a:schemeClr>
+          </a:lnRef>
+          <a:fillRef idx="1">
+            <a:schemeClr val="accent1"/>
+          </a:fillRef>
+          <a:effectRef idx="0">
+            <a:schemeClr val="accent1"/>
+          </a:effectRef>
+          <a:fontRef idx="minor">
+            <a:schemeClr val="lt1"/>
+          </a:fontRef>
+        </p:style>
+        <p:txBody>
+          <a:bodyPr rtlCol="0" anchor="ctr"/>
+          <a:lstStyle/>
+          <a:p>
+            <a:pPr algn="ctr"/>
+            <a:r>
+              <a:rPr kumimoji="1" lang="en-US" altLang="ja-JP" sz="800" dirty="0">
+                <a:solidFill>
+                  <a:schemeClr val="tx1"/>
+                </a:solidFill>
+              </a:rPr>
+              <a:t>HiSLIP </a:t>
+            </a:r>
+            <a:r>
+              <a:rPr kumimoji="1" lang="ja-JP" altLang="en-US" sz="800" dirty="0">
+                <a:solidFill>
+                  <a:schemeClr val="tx1"/>
+                </a:solidFill>
+              </a:rPr>
+              <a:t>クライアント</a:t>
+            </a:r>
+          </a:p>
+        </p:txBody>
+      </p:sp>
+      <p:cxnSp>
+        <p:nvCxnSpPr>
+          <p:cNvPr id="4" name="直線コネクタ 3">
+            <a:extLst>
+              <a:ext uri="{FF2B5EF4-FFF2-40B4-BE49-F238E27FC236}">
+                <a16:creationId xmlns:a16="http://schemas.microsoft.com/office/drawing/2014/main" id="{D1084E31-8767-0272-576A-31F00B7C662E}"/>
+              </a:ext>
+            </a:extLst>
+          </p:cNvPr>
+          <p:cNvCxnSpPr>
+            <a:cxnSpLocks/>
+            <a:stCxn id="3" idx="2"/>
+          </p:cNvCxnSpPr>
+          <p:nvPr/>
+        </p:nvCxnSpPr>
+        <p:spPr>
+          <a:xfrm>
+            <a:off x="2541816" y="655102"/>
+            <a:ext cx="0" cy="3744000"/>
+          </a:xfrm>
+          <a:prstGeom prst="line">
+            <a:avLst/>
+          </a:prstGeom>
+          <a:ln>
+            <a:solidFill>
+              <a:schemeClr val="tx1"/>
+            </a:solidFill>
+          </a:ln>
+        </p:spPr>
+        <p:style>
+          <a:lnRef idx="1">
+            <a:schemeClr val="accent1"/>
+          </a:lnRef>
+          <a:fillRef idx="0">
+            <a:schemeClr val="accent1"/>
+          </a:fillRef>
+          <a:effectRef idx="0">
+            <a:schemeClr val="accent1"/>
+          </a:effectRef>
+          <a:fontRef idx="minor">
+            <a:schemeClr val="tx1"/>
+          </a:fontRef>
+        </p:style>
+      </p:cxnSp>
+      <p:sp>
+        <p:nvSpPr>
+          <p:cNvPr id="6" name="テキスト ボックス 5">
+            <a:extLst>
+              <a:ext uri="{FF2B5EF4-FFF2-40B4-BE49-F238E27FC236}">
+                <a16:creationId xmlns:a16="http://schemas.microsoft.com/office/drawing/2014/main" id="{E887EFA2-1EF8-8FBC-26BB-1880473E7AD6}"/>
+              </a:ext>
+            </a:extLst>
+          </p:cNvPr>
+          <p:cNvSpPr txBox="1"/>
+          <p:nvPr/>
+        </p:nvSpPr>
+        <p:spPr>
+          <a:xfrm>
+            <a:off x="2810977" y="1311014"/>
+            <a:ext cx="856325" cy="215444"/>
+          </a:xfrm>
+          <a:prstGeom prst="rect">
+            <a:avLst/>
+          </a:prstGeom>
+          <a:noFill/>
+        </p:spPr>
+        <p:txBody>
+          <a:bodyPr wrap="none" rtlCol="0">
+            <a:spAutoFit/>
+          </a:bodyPr>
+          <a:lstStyle/>
+          <a:p>
+            <a:r>
+              <a:rPr kumimoji="1" lang="en-US" altLang="ja-JP" sz="800" dirty="0"/>
+              <a:t>Query w/ eom</a:t>
+            </a:r>
+            <a:endParaRPr kumimoji="1" lang="ja-JP" altLang="en-US" sz="800" dirty="0"/>
+          </a:p>
+        </p:txBody>
+      </p:sp>
+      <p:sp>
+        <p:nvSpPr>
+          <p:cNvPr id="7" name="正方形/長方形 6">
+            <a:extLst>
+              <a:ext uri="{FF2B5EF4-FFF2-40B4-BE49-F238E27FC236}">
+                <a16:creationId xmlns:a16="http://schemas.microsoft.com/office/drawing/2014/main" id="{CFEF5589-7618-DA1F-ACF5-C6061CE5A447}"/>
+              </a:ext>
+            </a:extLst>
+          </p:cNvPr>
+          <p:cNvSpPr/>
+          <p:nvPr/>
+        </p:nvSpPr>
+        <p:spPr>
+          <a:xfrm>
+            <a:off x="3348477" y="367102"/>
+            <a:ext cx="1152000" cy="288000"/>
+          </a:xfrm>
+          <a:prstGeom prst="rect">
+            <a:avLst/>
+          </a:prstGeom>
+          <a:solidFill>
+            <a:schemeClr val="bg1"/>
+          </a:solidFill>
+          <a:ln>
+            <a:solidFill>
+              <a:schemeClr val="tx1"/>
+            </a:solidFill>
+          </a:ln>
+        </p:spPr>
+        <p:style>
+          <a:lnRef idx="2">
+            <a:schemeClr val="accent1">
+              <a:shade val="50000"/>
+            </a:schemeClr>
+          </a:lnRef>
+          <a:fillRef idx="1">
+            <a:schemeClr val="accent1"/>
+          </a:fillRef>
+          <a:effectRef idx="0">
+            <a:schemeClr val="accent1"/>
+          </a:effectRef>
+          <a:fontRef idx="minor">
+            <a:schemeClr val="lt1"/>
+          </a:fontRef>
+        </p:style>
+        <p:txBody>
+          <a:bodyPr rtlCol="0" anchor="ctr"/>
+          <a:lstStyle/>
+          <a:p>
+            <a:pPr algn="ctr"/>
+            <a:r>
+              <a:rPr kumimoji="1" lang="en-US" altLang="ja-JP" sz="800" dirty="0">
+                <a:solidFill>
+                  <a:schemeClr val="tx1"/>
+                </a:solidFill>
+              </a:rPr>
+              <a:t>HiSLIP </a:t>
+            </a:r>
+            <a:r>
+              <a:rPr lang="en-US" altLang="ja-JP" sz="800" dirty="0">
+                <a:solidFill>
+                  <a:schemeClr val="tx1"/>
+                </a:solidFill>
+              </a:rPr>
+              <a:t> </a:t>
+            </a:r>
+            <a:r>
+              <a:rPr lang="ja-JP" altLang="en-US" sz="800" dirty="0">
+                <a:solidFill>
+                  <a:schemeClr val="tx1"/>
+                </a:solidFill>
+              </a:rPr>
+              <a:t>サーバ</a:t>
+            </a:r>
+            <a:endParaRPr kumimoji="1" lang="ja-JP" altLang="en-US" sz="800" dirty="0">
+              <a:solidFill>
+                <a:schemeClr val="tx1"/>
+              </a:solidFill>
+            </a:endParaRPr>
+          </a:p>
+        </p:txBody>
+      </p:sp>
+      <p:cxnSp>
+        <p:nvCxnSpPr>
+          <p:cNvPr id="8" name="直線コネクタ 7">
+            <a:extLst>
+              <a:ext uri="{FF2B5EF4-FFF2-40B4-BE49-F238E27FC236}">
+                <a16:creationId xmlns:a16="http://schemas.microsoft.com/office/drawing/2014/main" id="{6F3C7651-A348-8731-0C1A-DB400B829264}"/>
+              </a:ext>
+            </a:extLst>
+          </p:cNvPr>
+          <p:cNvCxnSpPr>
+            <a:cxnSpLocks/>
+            <a:stCxn id="7" idx="2"/>
+          </p:cNvCxnSpPr>
+          <p:nvPr/>
+        </p:nvCxnSpPr>
+        <p:spPr>
+          <a:xfrm>
+            <a:off x="3924477" y="655102"/>
+            <a:ext cx="0" cy="3744000"/>
+          </a:xfrm>
+          <a:prstGeom prst="line">
+            <a:avLst/>
+          </a:prstGeom>
+          <a:ln>
+            <a:solidFill>
+              <a:schemeClr val="tx1"/>
+            </a:solidFill>
+          </a:ln>
+        </p:spPr>
+        <p:style>
+          <a:lnRef idx="1">
+            <a:schemeClr val="accent1"/>
+          </a:lnRef>
+          <a:fillRef idx="0">
+            <a:schemeClr val="accent1"/>
+          </a:fillRef>
+          <a:effectRef idx="0">
+            <a:schemeClr val="accent1"/>
+          </a:effectRef>
+          <a:fontRef idx="minor">
+            <a:schemeClr val="tx1"/>
+          </a:fontRef>
+        </p:style>
+      </p:cxnSp>
+      <p:cxnSp>
+        <p:nvCxnSpPr>
+          <p:cNvPr id="9" name="直線矢印コネクタ 8">
+            <a:extLst>
+              <a:ext uri="{FF2B5EF4-FFF2-40B4-BE49-F238E27FC236}">
+                <a16:creationId xmlns:a16="http://schemas.microsoft.com/office/drawing/2014/main" id="{0B788AF8-C480-D603-80B4-B07DC96F7D08}"/>
+              </a:ext>
+            </a:extLst>
+          </p:cNvPr>
+          <p:cNvCxnSpPr>
+            <a:cxnSpLocks/>
+          </p:cNvCxnSpPr>
+          <p:nvPr/>
+        </p:nvCxnSpPr>
+        <p:spPr>
+          <a:xfrm>
+            <a:off x="2609139" y="1455734"/>
+            <a:ext cx="1260000" cy="144000"/>
+          </a:xfrm>
+          <a:prstGeom prst="straightConnector1">
+            <a:avLst/>
+          </a:prstGeom>
+          <a:ln>
+            <a:solidFill>
+              <a:schemeClr val="tx1"/>
+            </a:solidFill>
+            <a:tailEnd type="triangle"/>
+          </a:ln>
+        </p:spPr>
+        <p:style>
+          <a:lnRef idx="1">
+            <a:schemeClr val="accent1"/>
+          </a:lnRef>
+          <a:fillRef idx="0">
+            <a:schemeClr val="accent1"/>
+          </a:fillRef>
+          <a:effectRef idx="0">
+            <a:schemeClr val="accent1"/>
+          </a:effectRef>
+          <a:fontRef idx="minor">
+            <a:schemeClr val="tx1"/>
+          </a:fontRef>
+        </p:style>
+      </p:cxnSp>
+      <p:sp>
+        <p:nvSpPr>
+          <p:cNvPr id="10" name="テキスト ボックス 9">
+            <a:extLst>
+              <a:ext uri="{FF2B5EF4-FFF2-40B4-BE49-F238E27FC236}">
+                <a16:creationId xmlns:a16="http://schemas.microsoft.com/office/drawing/2014/main" id="{38AA4487-7B60-0BA7-DD3D-BFE3A9232CED}"/>
+              </a:ext>
+            </a:extLst>
+          </p:cNvPr>
+          <p:cNvSpPr txBox="1"/>
+          <p:nvPr/>
+        </p:nvSpPr>
+        <p:spPr>
+          <a:xfrm>
+            <a:off x="634177" y="1133228"/>
+            <a:ext cx="516488" cy="215444"/>
+          </a:xfrm>
+          <a:prstGeom prst="rect">
+            <a:avLst/>
+          </a:prstGeom>
+          <a:noFill/>
+        </p:spPr>
+        <p:txBody>
+          <a:bodyPr wrap="none" rtlCol="0">
+            <a:spAutoFit/>
+          </a:bodyPr>
+          <a:lstStyle/>
+          <a:p>
+            <a:pPr algn="r"/>
+            <a:r>
+              <a:rPr kumimoji="1" lang="en-US" altLang="ja-JP" sz="800" dirty="0"/>
+              <a:t>viWrite</a:t>
+            </a:r>
+            <a:endParaRPr kumimoji="1" lang="ja-JP" altLang="en-US" sz="800" dirty="0"/>
+          </a:p>
+        </p:txBody>
+      </p:sp>
+      <p:cxnSp>
+        <p:nvCxnSpPr>
+          <p:cNvPr id="11" name="直線矢印コネクタ 10">
+            <a:extLst>
+              <a:ext uri="{FF2B5EF4-FFF2-40B4-BE49-F238E27FC236}">
+                <a16:creationId xmlns:a16="http://schemas.microsoft.com/office/drawing/2014/main" id="{A23B3635-C527-3C05-13C9-CEA15BCFEE39}"/>
+              </a:ext>
+            </a:extLst>
+          </p:cNvPr>
+          <p:cNvCxnSpPr>
+            <a:cxnSpLocks/>
+          </p:cNvCxnSpPr>
+          <p:nvPr/>
+        </p:nvCxnSpPr>
+        <p:spPr>
+          <a:xfrm flipH="1">
+            <a:off x="2609139" y="3855048"/>
+            <a:ext cx="1260000" cy="144000"/>
+          </a:xfrm>
+          <a:prstGeom prst="straightConnector1">
+            <a:avLst/>
+          </a:prstGeom>
+          <a:ln>
+            <a:solidFill>
+              <a:schemeClr val="tx1"/>
+            </a:solidFill>
+            <a:tailEnd type="triangle"/>
+          </a:ln>
+        </p:spPr>
+        <p:style>
+          <a:lnRef idx="1">
+            <a:schemeClr val="accent1"/>
+          </a:lnRef>
+          <a:fillRef idx="0">
+            <a:schemeClr val="accent1"/>
+          </a:fillRef>
+          <a:effectRef idx="0">
+            <a:schemeClr val="accent1"/>
+          </a:effectRef>
+          <a:fontRef idx="minor">
+            <a:schemeClr val="tx1"/>
+          </a:fontRef>
+        </p:style>
+      </p:cxnSp>
+      <p:sp>
+        <p:nvSpPr>
+          <p:cNvPr id="12" name="正方形/長方形 11">
+            <a:extLst>
+              <a:ext uri="{FF2B5EF4-FFF2-40B4-BE49-F238E27FC236}">
+                <a16:creationId xmlns:a16="http://schemas.microsoft.com/office/drawing/2014/main" id="{77B05EEE-C1AA-1C3A-7D61-39957F88458B}"/>
+              </a:ext>
+            </a:extLst>
+          </p:cNvPr>
+          <p:cNvSpPr/>
+          <p:nvPr/>
+        </p:nvSpPr>
+        <p:spPr>
+          <a:xfrm>
+            <a:off x="645220" y="357271"/>
+            <a:ext cx="1152000" cy="288000"/>
+          </a:xfrm>
+          <a:prstGeom prst="rect">
+            <a:avLst/>
+          </a:prstGeom>
+          <a:solidFill>
+            <a:schemeClr val="bg1"/>
+          </a:solidFill>
+          <a:ln>
+            <a:solidFill>
+              <a:schemeClr val="tx1"/>
+            </a:solidFill>
+          </a:ln>
+        </p:spPr>
+        <p:style>
+          <a:lnRef idx="2">
+            <a:schemeClr val="accent1">
+              <a:shade val="50000"/>
+            </a:schemeClr>
+          </a:lnRef>
+          <a:fillRef idx="1">
+            <a:schemeClr val="accent1"/>
+          </a:fillRef>
+          <a:effectRef idx="0">
+            <a:schemeClr val="accent1"/>
+          </a:effectRef>
+          <a:fontRef idx="minor">
+            <a:schemeClr val="lt1"/>
+          </a:fontRef>
+        </p:style>
+        <p:txBody>
+          <a:bodyPr rtlCol="0" anchor="ctr"/>
+          <a:lstStyle/>
+          <a:p>
+            <a:pPr algn="ctr"/>
+            <a:r>
+              <a:rPr kumimoji="1" lang="ja-JP" altLang="en-US" sz="800" dirty="0">
+                <a:solidFill>
+                  <a:schemeClr val="tx1"/>
+                </a:solidFill>
+              </a:rPr>
+              <a:t>クライアントアプリ</a:t>
+            </a:r>
+          </a:p>
+        </p:txBody>
+      </p:sp>
+      <p:cxnSp>
+        <p:nvCxnSpPr>
+          <p:cNvPr id="13" name="直線コネクタ 12">
+            <a:extLst>
+              <a:ext uri="{FF2B5EF4-FFF2-40B4-BE49-F238E27FC236}">
+                <a16:creationId xmlns:a16="http://schemas.microsoft.com/office/drawing/2014/main" id="{FE36CB2F-4495-0BF3-6A3A-B8D416C573C8}"/>
+              </a:ext>
+            </a:extLst>
+          </p:cNvPr>
+          <p:cNvCxnSpPr>
+            <a:cxnSpLocks/>
+            <a:stCxn id="12" idx="2"/>
+          </p:cNvCxnSpPr>
+          <p:nvPr/>
+        </p:nvCxnSpPr>
+        <p:spPr>
+          <a:xfrm>
+            <a:off x="1221220" y="645271"/>
+            <a:ext cx="0" cy="3744000"/>
+          </a:xfrm>
+          <a:prstGeom prst="line">
+            <a:avLst/>
+          </a:prstGeom>
+          <a:ln>
+            <a:solidFill>
+              <a:schemeClr val="tx1"/>
+            </a:solidFill>
+          </a:ln>
+        </p:spPr>
+        <p:style>
+          <a:lnRef idx="1">
+            <a:schemeClr val="accent1"/>
+          </a:lnRef>
+          <a:fillRef idx="0">
+            <a:schemeClr val="accent1"/>
+          </a:fillRef>
+          <a:effectRef idx="0">
+            <a:schemeClr val="accent1"/>
+          </a:effectRef>
+          <a:fontRef idx="minor">
+            <a:schemeClr val="tx1"/>
+          </a:fontRef>
+        </p:style>
+      </p:cxnSp>
+      <p:sp>
+        <p:nvSpPr>
+          <p:cNvPr id="14" name="テキスト ボックス 13">
+            <a:extLst>
+              <a:ext uri="{FF2B5EF4-FFF2-40B4-BE49-F238E27FC236}">
+                <a16:creationId xmlns:a16="http://schemas.microsoft.com/office/drawing/2014/main" id="{14DC4A4A-54E6-5DD9-D048-3F9F1A8BD558}"/>
+              </a:ext>
+            </a:extLst>
+          </p:cNvPr>
+          <p:cNvSpPr txBox="1"/>
+          <p:nvPr/>
+        </p:nvSpPr>
+        <p:spPr>
+          <a:xfrm>
+            <a:off x="635803" y="4085745"/>
+            <a:ext cx="505267" cy="215444"/>
+          </a:xfrm>
+          <a:prstGeom prst="rect">
+            <a:avLst/>
+          </a:prstGeom>
+          <a:noFill/>
+        </p:spPr>
+        <p:txBody>
+          <a:bodyPr wrap="none" rtlCol="0">
+            <a:spAutoFit/>
+          </a:bodyPr>
+          <a:lstStyle/>
+          <a:p>
+            <a:pPr algn="r"/>
+            <a:r>
+              <a:rPr kumimoji="1" lang="en-US" altLang="ja-JP" sz="800" dirty="0"/>
+              <a:t>viRead</a:t>
+            </a:r>
+            <a:endParaRPr kumimoji="1" lang="ja-JP" altLang="en-US" sz="800" dirty="0"/>
+          </a:p>
+        </p:txBody>
+      </p:sp>
+      <p:cxnSp>
+        <p:nvCxnSpPr>
+          <p:cNvPr id="15" name="直線矢印コネクタ 14">
+            <a:extLst>
+              <a:ext uri="{FF2B5EF4-FFF2-40B4-BE49-F238E27FC236}">
+                <a16:creationId xmlns:a16="http://schemas.microsoft.com/office/drawing/2014/main" id="{F4D0C666-0287-8B4A-44BD-2ECAA553A36A}"/>
+              </a:ext>
+            </a:extLst>
+          </p:cNvPr>
+          <p:cNvCxnSpPr>
+            <a:cxnSpLocks/>
+          </p:cNvCxnSpPr>
+          <p:nvPr/>
+        </p:nvCxnSpPr>
+        <p:spPr>
+          <a:xfrm>
+            <a:off x="1274057" y="1225612"/>
+            <a:ext cx="1260000" cy="144000"/>
+          </a:xfrm>
+          <a:prstGeom prst="straightConnector1">
+            <a:avLst/>
+          </a:prstGeom>
+          <a:ln>
+            <a:solidFill>
+              <a:schemeClr val="tx1"/>
+            </a:solidFill>
+            <a:tailEnd type="triangle"/>
+          </a:ln>
+        </p:spPr>
+        <p:style>
+          <a:lnRef idx="1">
+            <a:schemeClr val="accent1"/>
+          </a:lnRef>
+          <a:fillRef idx="0">
+            <a:schemeClr val="accent1"/>
+          </a:fillRef>
+          <a:effectRef idx="0">
+            <a:schemeClr val="accent1"/>
+          </a:effectRef>
+          <a:fontRef idx="minor">
+            <a:schemeClr val="tx1"/>
+          </a:fontRef>
+        </p:style>
+      </p:cxnSp>
+      <p:cxnSp>
+        <p:nvCxnSpPr>
+          <p:cNvPr id="16" name="直線矢印コネクタ 15">
+            <a:extLst>
+              <a:ext uri="{FF2B5EF4-FFF2-40B4-BE49-F238E27FC236}">
+                <a16:creationId xmlns:a16="http://schemas.microsoft.com/office/drawing/2014/main" id="{F5AFEEE1-92DB-8019-D9FB-08BF69ACBEB5}"/>
+              </a:ext>
+            </a:extLst>
+          </p:cNvPr>
+          <p:cNvCxnSpPr>
+            <a:cxnSpLocks/>
+          </p:cNvCxnSpPr>
+          <p:nvPr/>
+        </p:nvCxnSpPr>
+        <p:spPr>
+          <a:xfrm flipH="1">
+            <a:off x="1237831" y="4115004"/>
+            <a:ext cx="1260000" cy="144000"/>
+          </a:xfrm>
+          <a:prstGeom prst="straightConnector1">
+            <a:avLst/>
+          </a:prstGeom>
+          <a:ln>
+            <a:solidFill>
+              <a:schemeClr val="tx1"/>
+            </a:solidFill>
+            <a:tailEnd type="triangle"/>
+          </a:ln>
+        </p:spPr>
+        <p:style>
+          <a:lnRef idx="1">
+            <a:schemeClr val="accent1"/>
+          </a:lnRef>
+          <a:fillRef idx="0">
+            <a:schemeClr val="accent1"/>
+          </a:fillRef>
+          <a:effectRef idx="0">
+            <a:schemeClr val="accent1"/>
+          </a:effectRef>
+          <a:fontRef idx="minor">
+            <a:schemeClr val="tx1"/>
+          </a:fontRef>
+        </p:style>
+      </p:cxnSp>
+      <p:sp>
+        <p:nvSpPr>
+          <p:cNvPr id="17" name="テキスト ボックス 16">
+            <a:extLst>
+              <a:ext uri="{FF2B5EF4-FFF2-40B4-BE49-F238E27FC236}">
+                <a16:creationId xmlns:a16="http://schemas.microsoft.com/office/drawing/2014/main" id="{F2378A7E-5E14-1B95-0F14-B3DCFE53400C}"/>
+              </a:ext>
+            </a:extLst>
+          </p:cNvPr>
+          <p:cNvSpPr txBox="1"/>
+          <p:nvPr/>
+        </p:nvSpPr>
+        <p:spPr>
+          <a:xfrm>
+            <a:off x="2685943" y="3659779"/>
+            <a:ext cx="1106393" cy="215444"/>
+          </a:xfrm>
+          <a:prstGeom prst="rect">
+            <a:avLst/>
+          </a:prstGeom>
+          <a:noFill/>
+        </p:spPr>
+        <p:txBody>
+          <a:bodyPr wrap="none" rtlCol="0">
+            <a:spAutoFit/>
+          </a:bodyPr>
+          <a:lstStyle/>
+          <a:p>
+            <a:r>
+              <a:rPr kumimoji="1" lang="en-US" altLang="ja-JP" sz="800" dirty="0"/>
+              <a:t>Response w/ RMT</a:t>
+            </a:r>
+            <a:endParaRPr kumimoji="1" lang="ja-JP" altLang="en-US" sz="800" dirty="0"/>
+          </a:p>
+        </p:txBody>
+      </p:sp>
+      <p:sp>
+        <p:nvSpPr>
+          <p:cNvPr id="18" name="爆発: 14 pt 17">
+            <a:extLst>
+              <a:ext uri="{FF2B5EF4-FFF2-40B4-BE49-F238E27FC236}">
+                <a16:creationId xmlns:a16="http://schemas.microsoft.com/office/drawing/2014/main" id="{9453A346-20C8-561A-2079-7957DF208B0C}"/>
+              </a:ext>
+            </a:extLst>
+          </p:cNvPr>
+          <p:cNvSpPr/>
+          <p:nvPr/>
+        </p:nvSpPr>
+        <p:spPr>
+          <a:xfrm>
+            <a:off x="3991330" y="2273193"/>
+            <a:ext cx="180000" cy="180000"/>
+          </a:xfrm>
+          <a:prstGeom prst="irregularSeal2">
+            <a:avLst/>
+          </a:prstGeom>
+        </p:spPr>
+        <p:style>
+          <a:lnRef idx="2">
+            <a:schemeClr val="accent2">
+              <a:shade val="50000"/>
+            </a:schemeClr>
+          </a:lnRef>
+          <a:fillRef idx="1">
+            <a:schemeClr val="accent2"/>
+          </a:fillRef>
+          <a:effectRef idx="0">
+            <a:schemeClr val="accent2"/>
+          </a:effectRef>
+          <a:fontRef idx="minor">
+            <a:schemeClr val="lt1"/>
+          </a:fontRef>
+        </p:style>
+        <p:txBody>
+          <a:bodyPr rtlCol="0" anchor="ctr"/>
+          <a:lstStyle/>
+          <a:p>
+            <a:pPr algn="ctr"/>
+            <a:endParaRPr kumimoji="1" lang="ja-JP" altLang="en-US" dirty="0"/>
+          </a:p>
+        </p:txBody>
+      </p:sp>
+      <p:sp>
+        <p:nvSpPr>
+          <p:cNvPr id="19" name="テキスト ボックス 18">
+            <a:extLst>
+              <a:ext uri="{FF2B5EF4-FFF2-40B4-BE49-F238E27FC236}">
+                <a16:creationId xmlns:a16="http://schemas.microsoft.com/office/drawing/2014/main" id="{C863FE9E-D921-ADAF-B333-607F7C7A78FC}"/>
+              </a:ext>
+            </a:extLst>
+          </p:cNvPr>
+          <p:cNvSpPr txBox="1"/>
+          <p:nvPr/>
+        </p:nvSpPr>
+        <p:spPr>
+          <a:xfrm>
+            <a:off x="2524226" y="1815549"/>
+            <a:ext cx="1309974" cy="215444"/>
+          </a:xfrm>
+          <a:prstGeom prst="rect">
+            <a:avLst/>
+          </a:prstGeom>
+          <a:noFill/>
+        </p:spPr>
+        <p:txBody>
+          <a:bodyPr wrap="none" rtlCol="0">
+            <a:spAutoFit/>
+          </a:bodyPr>
+          <a:lstStyle/>
+          <a:p>
+            <a:r>
+              <a:rPr kumimoji="1" lang="en-US" altLang="ja-JP" sz="800" dirty="0"/>
+              <a:t>Query w/ eom(no RMT)</a:t>
+            </a:r>
+            <a:endParaRPr kumimoji="1" lang="ja-JP" altLang="en-US" sz="800" dirty="0"/>
+          </a:p>
+        </p:txBody>
+      </p:sp>
+      <p:cxnSp>
+        <p:nvCxnSpPr>
+          <p:cNvPr id="20" name="直線矢印コネクタ 19">
+            <a:extLst>
+              <a:ext uri="{FF2B5EF4-FFF2-40B4-BE49-F238E27FC236}">
+                <a16:creationId xmlns:a16="http://schemas.microsoft.com/office/drawing/2014/main" id="{E6591C40-F811-503A-D325-288A85130DF9}"/>
+              </a:ext>
+            </a:extLst>
+          </p:cNvPr>
+          <p:cNvCxnSpPr>
+            <a:cxnSpLocks/>
+          </p:cNvCxnSpPr>
+          <p:nvPr/>
+        </p:nvCxnSpPr>
+        <p:spPr>
+          <a:xfrm>
+            <a:off x="2580564" y="2084384"/>
+            <a:ext cx="1260000" cy="144000"/>
+          </a:xfrm>
+          <a:prstGeom prst="straightConnector1">
+            <a:avLst/>
+          </a:prstGeom>
+          <a:ln>
+            <a:solidFill>
+              <a:schemeClr val="tx1"/>
+            </a:solidFill>
+            <a:tailEnd type="triangle"/>
+          </a:ln>
+        </p:spPr>
+        <p:style>
+          <a:lnRef idx="1">
+            <a:schemeClr val="accent1"/>
+          </a:lnRef>
+          <a:fillRef idx="0">
+            <a:schemeClr val="accent1"/>
+          </a:fillRef>
+          <a:effectRef idx="0">
+            <a:schemeClr val="accent1"/>
+          </a:effectRef>
+          <a:fontRef idx="minor">
+            <a:schemeClr val="tx1"/>
+          </a:fontRef>
+        </p:style>
+      </p:cxnSp>
+      <p:sp>
+        <p:nvSpPr>
+          <p:cNvPr id="21" name="テキスト ボックス 20">
+            <a:extLst>
+              <a:ext uri="{FF2B5EF4-FFF2-40B4-BE49-F238E27FC236}">
+                <a16:creationId xmlns:a16="http://schemas.microsoft.com/office/drawing/2014/main" id="{CE126303-0BF4-A5F5-BC90-358C8A2502F8}"/>
+              </a:ext>
+            </a:extLst>
+          </p:cNvPr>
+          <p:cNvSpPr txBox="1"/>
+          <p:nvPr/>
+        </p:nvSpPr>
+        <p:spPr>
+          <a:xfrm>
+            <a:off x="605602" y="1761878"/>
+            <a:ext cx="516488" cy="215444"/>
+          </a:xfrm>
+          <a:prstGeom prst="rect">
+            <a:avLst/>
+          </a:prstGeom>
+          <a:noFill/>
+        </p:spPr>
+        <p:txBody>
+          <a:bodyPr wrap="none" rtlCol="0">
+            <a:spAutoFit/>
+          </a:bodyPr>
+          <a:lstStyle/>
+          <a:p>
+            <a:pPr algn="r"/>
+            <a:r>
+              <a:rPr kumimoji="1" lang="en-US" altLang="ja-JP" sz="800" dirty="0"/>
+              <a:t>viWrite</a:t>
+            </a:r>
+            <a:endParaRPr kumimoji="1" lang="ja-JP" altLang="en-US" sz="800" dirty="0"/>
+          </a:p>
+        </p:txBody>
+      </p:sp>
+      <p:cxnSp>
+        <p:nvCxnSpPr>
+          <p:cNvPr id="22" name="直線矢印コネクタ 21">
+            <a:extLst>
+              <a:ext uri="{FF2B5EF4-FFF2-40B4-BE49-F238E27FC236}">
+                <a16:creationId xmlns:a16="http://schemas.microsoft.com/office/drawing/2014/main" id="{24C7908E-E44E-D713-342B-00CD0E58E917}"/>
+              </a:ext>
+            </a:extLst>
+          </p:cNvPr>
+          <p:cNvCxnSpPr>
+            <a:cxnSpLocks/>
+          </p:cNvCxnSpPr>
+          <p:nvPr/>
+        </p:nvCxnSpPr>
+        <p:spPr>
+          <a:xfrm>
+            <a:off x="1245482" y="1854262"/>
+            <a:ext cx="1260000" cy="144000"/>
+          </a:xfrm>
+          <a:prstGeom prst="straightConnector1">
+            <a:avLst/>
+          </a:prstGeom>
+          <a:ln>
+            <a:solidFill>
+              <a:schemeClr val="tx1"/>
+            </a:solidFill>
+            <a:tailEnd type="triangle"/>
+          </a:ln>
+        </p:spPr>
+        <p:style>
+          <a:lnRef idx="1">
+            <a:schemeClr val="accent1"/>
+          </a:lnRef>
+          <a:fillRef idx="0">
+            <a:schemeClr val="accent1"/>
+          </a:fillRef>
+          <a:effectRef idx="0">
+            <a:schemeClr val="accent1"/>
+          </a:effectRef>
+          <a:fontRef idx="minor">
+            <a:schemeClr val="tx1"/>
+          </a:fontRef>
+        </p:style>
+      </p:cxnSp>
+      <p:cxnSp>
+        <p:nvCxnSpPr>
+          <p:cNvPr id="25" name="直線矢印コネクタ 24">
+            <a:extLst>
+              <a:ext uri="{FF2B5EF4-FFF2-40B4-BE49-F238E27FC236}">
+                <a16:creationId xmlns:a16="http://schemas.microsoft.com/office/drawing/2014/main" id="{359767C3-5F2D-5357-C0D1-C250FBF7F301}"/>
+              </a:ext>
+            </a:extLst>
+          </p:cNvPr>
+          <p:cNvCxnSpPr>
+            <a:cxnSpLocks/>
+          </p:cNvCxnSpPr>
+          <p:nvPr/>
+        </p:nvCxnSpPr>
+        <p:spPr>
+          <a:xfrm flipH="1">
+            <a:off x="2590089" y="1900820"/>
+            <a:ext cx="1260000" cy="432000"/>
+          </a:xfrm>
+          <a:prstGeom prst="straightConnector1">
+            <a:avLst/>
+          </a:prstGeom>
+          <a:ln>
+            <a:solidFill>
+              <a:schemeClr val="tx1"/>
+            </a:solidFill>
+            <a:tailEnd type="triangle"/>
+          </a:ln>
+        </p:spPr>
+        <p:style>
+          <a:lnRef idx="1">
+            <a:schemeClr val="accent1"/>
+          </a:lnRef>
+          <a:fillRef idx="0">
+            <a:schemeClr val="accent1"/>
+          </a:fillRef>
+          <a:effectRef idx="0">
+            <a:schemeClr val="accent1"/>
+          </a:effectRef>
+          <a:fontRef idx="minor">
+            <a:schemeClr val="tx1"/>
+          </a:fontRef>
+        </p:style>
+      </p:cxnSp>
+      <p:sp>
+        <p:nvSpPr>
+          <p:cNvPr id="26" name="テキスト ボックス 25">
+            <a:extLst>
+              <a:ext uri="{FF2B5EF4-FFF2-40B4-BE49-F238E27FC236}">
+                <a16:creationId xmlns:a16="http://schemas.microsoft.com/office/drawing/2014/main" id="{9B436480-3C10-C41B-919B-BE9AE8ED5F3A}"/>
+              </a:ext>
+            </a:extLst>
+          </p:cNvPr>
+          <p:cNvSpPr txBox="1"/>
+          <p:nvPr/>
+        </p:nvSpPr>
+        <p:spPr>
+          <a:xfrm>
+            <a:off x="2554507" y="2350582"/>
+            <a:ext cx="990977" cy="215444"/>
+          </a:xfrm>
+          <a:prstGeom prst="rect">
+            <a:avLst/>
+          </a:prstGeom>
+          <a:noFill/>
+        </p:spPr>
+        <p:txBody>
+          <a:bodyPr wrap="none" rtlCol="0">
+            <a:spAutoFit/>
+          </a:bodyPr>
+          <a:lstStyle/>
+          <a:p>
+            <a:r>
+              <a:rPr kumimoji="1" lang="en-US" altLang="ja-JP" sz="800" dirty="0"/>
+              <a:t>Partial Response</a:t>
+            </a:r>
+            <a:endParaRPr kumimoji="1" lang="ja-JP" altLang="en-US" sz="800" dirty="0"/>
+          </a:p>
+        </p:txBody>
+      </p:sp>
+      <p:cxnSp>
+        <p:nvCxnSpPr>
+          <p:cNvPr id="2" name="直線矢印コネクタ 1">
+            <a:extLst>
+              <a:ext uri="{FF2B5EF4-FFF2-40B4-BE49-F238E27FC236}">
+                <a16:creationId xmlns:a16="http://schemas.microsoft.com/office/drawing/2014/main" id="{387B1C12-815A-92E6-0B06-D019189A6A3B}"/>
+              </a:ext>
+            </a:extLst>
+          </p:cNvPr>
+          <p:cNvCxnSpPr>
+            <a:cxnSpLocks/>
+          </p:cNvCxnSpPr>
+          <p:nvPr/>
+        </p:nvCxnSpPr>
+        <p:spPr>
+          <a:xfrm flipH="1">
+            <a:off x="2590089" y="2862767"/>
+            <a:ext cx="1260000" cy="144000"/>
+          </a:xfrm>
+          <a:prstGeom prst="straightConnector1">
+            <a:avLst/>
+          </a:prstGeom>
+          <a:ln>
+            <a:solidFill>
+              <a:schemeClr val="tx1"/>
+            </a:solidFill>
+            <a:prstDash val="solid"/>
+            <a:tailEnd type="triangle"/>
+          </a:ln>
+        </p:spPr>
+        <p:style>
+          <a:lnRef idx="1">
+            <a:schemeClr val="accent1"/>
+          </a:lnRef>
+          <a:fillRef idx="0">
+            <a:schemeClr val="accent1"/>
+          </a:fillRef>
+          <a:effectRef idx="0">
+            <a:schemeClr val="accent1"/>
+          </a:effectRef>
+          <a:fontRef idx="minor">
+            <a:schemeClr val="tx1"/>
+          </a:fontRef>
+        </p:style>
+      </p:cxnSp>
+      <p:sp>
+        <p:nvSpPr>
+          <p:cNvPr id="28" name="テキスト ボックス 27">
+            <a:extLst>
+              <a:ext uri="{FF2B5EF4-FFF2-40B4-BE49-F238E27FC236}">
+                <a16:creationId xmlns:a16="http://schemas.microsoft.com/office/drawing/2014/main" id="{7FA3C88E-C691-38AD-E243-29522FC42658}"/>
+              </a:ext>
+            </a:extLst>
+          </p:cNvPr>
+          <p:cNvSpPr txBox="1"/>
+          <p:nvPr/>
+        </p:nvSpPr>
+        <p:spPr>
+          <a:xfrm>
+            <a:off x="2666893" y="2610348"/>
+            <a:ext cx="1167307" cy="215444"/>
+          </a:xfrm>
+          <a:prstGeom prst="rect">
+            <a:avLst/>
+          </a:prstGeom>
+          <a:noFill/>
+        </p:spPr>
+        <p:txBody>
+          <a:bodyPr wrap="none" rtlCol="0">
+            <a:spAutoFit/>
+          </a:bodyPr>
+          <a:lstStyle/>
+          <a:p>
+            <a:r>
+              <a:rPr kumimoji="1" lang="en-US" altLang="ja-JP" sz="800" dirty="0"/>
+              <a:t>Interrupted message</a:t>
+            </a:r>
+            <a:endParaRPr kumimoji="1" lang="ja-JP" altLang="en-US" sz="800" dirty="0"/>
+          </a:p>
+        </p:txBody>
+      </p:sp>
+      <p:cxnSp>
+        <p:nvCxnSpPr>
+          <p:cNvPr id="29" name="直線矢印コネクタ 28">
+            <a:extLst>
+              <a:ext uri="{FF2B5EF4-FFF2-40B4-BE49-F238E27FC236}">
+                <a16:creationId xmlns:a16="http://schemas.microsoft.com/office/drawing/2014/main" id="{C855AA8F-F99D-35C2-853E-8A2AA905DBFE}"/>
+              </a:ext>
+            </a:extLst>
+          </p:cNvPr>
+          <p:cNvCxnSpPr>
+            <a:cxnSpLocks/>
+          </p:cNvCxnSpPr>
+          <p:nvPr/>
+        </p:nvCxnSpPr>
+        <p:spPr>
+          <a:xfrm flipH="1">
+            <a:off x="2634909" y="3311002"/>
+            <a:ext cx="1260000" cy="144000"/>
+          </a:xfrm>
+          <a:prstGeom prst="straightConnector1">
+            <a:avLst/>
+          </a:prstGeom>
+          <a:ln>
+            <a:solidFill>
+              <a:schemeClr val="tx1"/>
+            </a:solidFill>
+            <a:prstDash val="dash"/>
+            <a:tailEnd type="triangle"/>
+          </a:ln>
+        </p:spPr>
+        <p:style>
+          <a:lnRef idx="1">
+            <a:schemeClr val="accent1"/>
+          </a:lnRef>
+          <a:fillRef idx="0">
+            <a:schemeClr val="accent1"/>
+          </a:fillRef>
+          <a:effectRef idx="0">
+            <a:schemeClr val="accent1"/>
+          </a:effectRef>
+          <a:fontRef idx="minor">
+            <a:schemeClr val="tx1"/>
+          </a:fontRef>
+        </p:style>
+      </p:cxnSp>
+      <p:sp>
+        <p:nvSpPr>
+          <p:cNvPr id="30" name="テキスト ボックス 29">
+            <a:extLst>
+              <a:ext uri="{FF2B5EF4-FFF2-40B4-BE49-F238E27FC236}">
+                <a16:creationId xmlns:a16="http://schemas.microsoft.com/office/drawing/2014/main" id="{86CDD770-CFF2-5308-D491-A81C096E7C9A}"/>
+              </a:ext>
+            </a:extLst>
+          </p:cNvPr>
+          <p:cNvSpPr txBox="1"/>
+          <p:nvPr/>
+        </p:nvSpPr>
+        <p:spPr>
+          <a:xfrm>
+            <a:off x="2541384" y="3094443"/>
+            <a:ext cx="1451038" cy="215444"/>
+          </a:xfrm>
+          <a:prstGeom prst="rect">
+            <a:avLst/>
+          </a:prstGeom>
+          <a:noFill/>
+        </p:spPr>
+        <p:txBody>
+          <a:bodyPr wrap="none" rtlCol="0">
+            <a:spAutoFit/>
+          </a:bodyPr>
+          <a:lstStyle/>
+          <a:p>
+            <a:r>
+              <a:rPr kumimoji="1" lang="en-US" altLang="ja-JP" sz="800" dirty="0"/>
+              <a:t>AsyncInterrupted message</a:t>
+            </a:r>
+            <a:endParaRPr kumimoji="1" lang="ja-JP" altLang="en-US" sz="800" dirty="0"/>
+          </a:p>
+        </p:txBody>
+      </p:sp>
+      <p:sp>
+        <p:nvSpPr>
+          <p:cNvPr id="31" name="爆発: 14 pt 30">
+            <a:extLst>
+              <a:ext uri="{FF2B5EF4-FFF2-40B4-BE49-F238E27FC236}">
+                <a16:creationId xmlns:a16="http://schemas.microsoft.com/office/drawing/2014/main" id="{27D0880A-78FD-8BD3-B027-93FDEDD3CFF6}"/>
+              </a:ext>
+            </a:extLst>
+          </p:cNvPr>
+          <p:cNvSpPr/>
+          <p:nvPr/>
+        </p:nvSpPr>
+        <p:spPr>
+          <a:xfrm>
+            <a:off x="2301231" y="3365002"/>
+            <a:ext cx="180000" cy="180000"/>
+          </a:xfrm>
+          <a:prstGeom prst="irregularSeal2">
+            <a:avLst/>
+          </a:prstGeom>
+        </p:spPr>
+        <p:style>
+          <a:lnRef idx="2">
+            <a:schemeClr val="accent2">
+              <a:shade val="50000"/>
+            </a:schemeClr>
+          </a:lnRef>
+          <a:fillRef idx="1">
+            <a:schemeClr val="accent2"/>
+          </a:fillRef>
+          <a:effectRef idx="0">
+            <a:schemeClr val="accent2"/>
+          </a:effectRef>
+          <a:fontRef idx="minor">
+            <a:schemeClr val="lt1"/>
+          </a:fontRef>
+        </p:style>
+        <p:txBody>
+          <a:bodyPr rtlCol="0" anchor="ctr"/>
+          <a:lstStyle/>
+          <a:p>
+            <a:pPr algn="ctr"/>
+            <a:endParaRPr kumimoji="1" lang="ja-JP" altLang="en-US"/>
+          </a:p>
+        </p:txBody>
+      </p:sp>
     </p:spTree>
     <p:extLst>
       <p:ext uri="{BB962C8B-B14F-4D97-AF65-F5344CB8AC3E}">
@@ -4381,31 +7500,6 @@
           <a:chExt cx="0" cy="0"/>
         </a:xfrm>
       </p:grpSpPr>
-      <p:sp>
-        <p:nvSpPr>
-          <p:cNvPr id="2" name="タイトル 1">
-            <a:extLst>
-              <a:ext uri="{FF2B5EF4-FFF2-40B4-BE49-F238E27FC236}">
-                <a16:creationId xmlns:a16="http://schemas.microsoft.com/office/drawing/2014/main" id="{0534C1B4-FC2E-C9F6-2D8A-6955C035AC40}"/>
-              </a:ext>
-            </a:extLst>
-          </p:cNvPr>
-          <p:cNvSpPr>
-            <a:spLocks noGrp="1"/>
-          </p:cNvSpPr>
-          <p:nvPr>
-            <p:ph type="title"/>
-          </p:nvPr>
-        </p:nvSpPr>
-        <p:spPr/>
-        <p:txBody>
-          <a:bodyPr/>
-          <a:lstStyle/>
-          <a:p>
-            <a:endParaRPr kumimoji="1" lang="ja-JP" altLang="en-US"/>
-          </a:p>
-        </p:txBody>
-      </p:sp>
       <p:pic>
         <p:nvPicPr>
           <p:cNvPr id="5" name="コンテンツ プレースホルダー 4">
@@ -4436,47 +7530,17 @@
         </p:blipFill>
         <p:spPr>
           <a:xfrm>
-            <a:off x="3063661" y="1825625"/>
+            <a:off x="5711611" y="2359025"/>
             <a:ext cx="6064677" cy="4351338"/>
           </a:xfrm>
         </p:spPr>
       </p:pic>
-    </p:spTree>
-    <p:extLst>
-      <p:ext uri="{BB962C8B-B14F-4D97-AF65-F5344CB8AC3E}">
-        <p14:creationId xmlns:p14="http://schemas.microsoft.com/office/powerpoint/2010/main" val="3600944047"/>
-      </p:ext>
-    </p:extLst>
-  </p:cSld>
-  <p:clrMapOvr>
-    <a:masterClrMapping/>
-  </p:clrMapOvr>
-</p:sld>
-</file>
-
-<file path=ppt/slides/slide5.xml><?xml version="1.0" encoding="utf-8"?>
-<p:sld xmlns:a="http://schemas.openxmlformats.org/drawingml/2006/main" xmlns:r="http://schemas.openxmlformats.org/officeDocument/2006/relationships" xmlns:p="http://schemas.openxmlformats.org/presentationml/2006/main">
-  <p:cSld>
-    <p:spTree>
-      <p:nvGrpSpPr>
-        <p:cNvPr id="1" name=""/>
-        <p:cNvGrpSpPr/>
-        <p:nvPr/>
-      </p:nvGrpSpPr>
-      <p:grpSpPr>
-        <a:xfrm>
-          <a:off x="0" y="0"/>
-          <a:ext cx="0" cy="0"/>
-          <a:chOff x="0" y="0"/>
-          <a:chExt cx="0" cy="0"/>
-        </a:xfrm>
-      </p:grpSpPr>
-      <p:sp>
-        <p:nvSpPr>
-          <p:cNvPr id="2" name="正方形/長方形 1">
-            <a:extLst>
-              <a:ext uri="{FF2B5EF4-FFF2-40B4-BE49-F238E27FC236}">
-                <a16:creationId xmlns:a16="http://schemas.microsoft.com/office/drawing/2014/main" id="{69A5C45D-BED6-7954-811F-29A228CC598F}"/>
+      <p:sp>
+        <p:nvSpPr>
+          <p:cNvPr id="4" name="正方形/長方形 3">
+            <a:extLst>
+              <a:ext uri="{FF2B5EF4-FFF2-40B4-BE49-F238E27FC236}">
+                <a16:creationId xmlns:a16="http://schemas.microsoft.com/office/drawing/2014/main" id="{610BCED3-0CD7-CEB1-3E88-1B6851A61CF2}"/>
               </a:ext>
             </a:extLst>
           </p:cNvPr>
@@ -4485,7 +7549,7 @@
         </p:nvSpPr>
         <p:spPr>
           <a:xfrm>
-            <a:off x="4150728" y="1131861"/>
+            <a:off x="1965816" y="367102"/>
             <a:ext cx="1152000" cy="288000"/>
           </a:xfrm>
           <a:prstGeom prst="rect">
@@ -4527,7 +7591,7 @@
                   <a:schemeClr val="tx1"/>
                 </a:solidFill>
               </a:rPr>
-              <a:t>VXI-11 </a:t>
+              <a:t>HiSLIP </a:t>
             </a:r>
             <a:r>
               <a:rPr kumimoji="1" lang="ja-JP" altLang="en-US" sz="800" dirty="0">
@@ -4542,23 +7606,185 @@
       </p:sp>
       <p:cxnSp>
         <p:nvCxnSpPr>
-          <p:cNvPr id="4" name="直線コネクタ 3">
-            <a:extLst>
-              <a:ext uri="{FF2B5EF4-FFF2-40B4-BE49-F238E27FC236}">
-                <a16:creationId xmlns:a16="http://schemas.microsoft.com/office/drawing/2014/main" id="{0856E90C-C268-A21D-09C7-A7F0F30E705C}"/>
+          <p:cNvPr id="6" name="直線コネクタ 5">
+            <a:extLst>
+              <a:ext uri="{FF2B5EF4-FFF2-40B4-BE49-F238E27FC236}">
+                <a16:creationId xmlns:a16="http://schemas.microsoft.com/office/drawing/2014/main" id="{742A07F1-3F9F-684D-E5F6-B5EFE0688905}"/>
               </a:ext>
             </a:extLst>
           </p:cNvPr>
           <p:cNvCxnSpPr>
             <a:cxnSpLocks/>
-            <a:stCxn id="2" idx="2"/>
+            <a:stCxn id="4" idx="2"/>
           </p:cNvCxnSpPr>
           <p:nvPr/>
         </p:nvCxnSpPr>
         <p:spPr>
           <a:xfrm>
-            <a:off x="4726728" y="1419861"/>
-            <a:ext cx="0" cy="2880000"/>
+            <a:off x="2541816" y="655102"/>
+            <a:ext cx="0" cy="3168000"/>
+          </a:xfrm>
+          <a:prstGeom prst="line">
+            <a:avLst/>
+          </a:prstGeom>
+          <a:ln>
+            <a:solidFill>
+              <a:schemeClr val="tx1"/>
+            </a:solidFill>
+          </a:ln>
+        </p:spPr>
+        <p:style>
+          <a:lnRef idx="1">
+            <a:schemeClr val="accent1"/>
+          </a:lnRef>
+          <a:fillRef idx="0">
+            <a:schemeClr val="accent1"/>
+          </a:fillRef>
+          <a:effectRef idx="0">
+            <a:schemeClr val="accent1"/>
+          </a:effectRef>
+          <a:fontRef idx="minor">
+            <a:schemeClr val="tx1"/>
+          </a:fontRef>
+        </p:style>
+      </p:cxnSp>
+      <p:sp>
+        <p:nvSpPr>
+          <p:cNvPr id="7" name="テキスト ボックス 6">
+            <a:extLst>
+              <a:ext uri="{FF2B5EF4-FFF2-40B4-BE49-F238E27FC236}">
+                <a16:creationId xmlns:a16="http://schemas.microsoft.com/office/drawing/2014/main" id="{15C2FBDB-A6D6-0678-6575-AF87E1D3F60D}"/>
+              </a:ext>
+            </a:extLst>
+          </p:cNvPr>
+          <p:cNvSpPr txBox="1"/>
+          <p:nvPr/>
+        </p:nvSpPr>
+        <p:spPr>
+          <a:xfrm>
+            <a:off x="2810977" y="1311014"/>
+            <a:ext cx="856325" cy="215444"/>
+          </a:xfrm>
+          <a:prstGeom prst="rect">
+            <a:avLst/>
+          </a:prstGeom>
+          <a:noFill/>
+        </p:spPr>
+        <p:txBody>
+          <a:bodyPr wrap="none" rtlCol="0">
+            <a:spAutoFit/>
+          </a:bodyPr>
+          <a:lstStyle/>
+          <a:p>
+            <a:r>
+              <a:rPr kumimoji="1" lang="en-US" altLang="ja-JP" sz="800" dirty="0"/>
+              <a:t>Query w/ eom</a:t>
+            </a:r>
+            <a:endParaRPr kumimoji="1" lang="ja-JP" altLang="en-US" sz="800" dirty="0"/>
+          </a:p>
+        </p:txBody>
+      </p:sp>
+      <p:sp>
+        <p:nvSpPr>
+          <p:cNvPr id="8" name="正方形/長方形 7">
+            <a:extLst>
+              <a:ext uri="{FF2B5EF4-FFF2-40B4-BE49-F238E27FC236}">
+                <a16:creationId xmlns:a16="http://schemas.microsoft.com/office/drawing/2014/main" id="{823A4907-04EA-B11D-4651-7E88507B4798}"/>
+              </a:ext>
+            </a:extLst>
+          </p:cNvPr>
+          <p:cNvSpPr/>
+          <p:nvPr/>
+        </p:nvSpPr>
+        <p:spPr>
+          <a:xfrm>
+            <a:off x="3348477" y="367102"/>
+            <a:ext cx="1152000" cy="288000"/>
+          </a:xfrm>
+          <a:prstGeom prst="rect">
+            <a:avLst/>
+          </a:prstGeom>
+          <a:solidFill>
+            <a:schemeClr val="bg1"/>
+          </a:solidFill>
+          <a:ln>
+            <a:solidFill>
+              <a:schemeClr val="tx1"/>
+            </a:solidFill>
+          </a:ln>
+        </p:spPr>
+        <p:style>
+          <a:lnRef idx="2">
+            <a:schemeClr val="accent1">
+              <a:shade val="50000"/>
+            </a:schemeClr>
+          </a:lnRef>
+          <a:fillRef idx="1">
+            <a:schemeClr val="accent1"/>
+          </a:fillRef>
+          <a:effectRef idx="0">
+            <a:schemeClr val="accent1"/>
+          </a:effectRef>
+          <a:fontRef idx="minor">
+            <a:schemeClr val="lt1"/>
+          </a:fontRef>
+        </p:style>
+        <p:txBody>
+          <a:bodyPr rtlCol="0" anchor="ctr"/>
+          <a:lstStyle/>
+          <a:p>
+            <a:pPr algn="ctr"/>
+            <a:r>
+              <a:rPr kumimoji="1" lang="en-US" altLang="ja-JP" sz="800" dirty="0">
+                <a:solidFill>
+                  <a:schemeClr val="tx1"/>
+                </a:solidFill>
+              </a:rPr>
+              <a:t>HiSLIP </a:t>
+            </a:r>
+            <a:r>
+              <a:rPr lang="en-US" altLang="ja-JP" sz="800" dirty="0">
+                <a:solidFill>
+                  <a:schemeClr val="tx1"/>
+                </a:solidFill>
+              </a:rPr>
+              <a:t> </a:t>
+            </a:r>
+            <a:r>
+              <a:rPr lang="ja-JP" altLang="en-US" sz="800" dirty="0">
+                <a:solidFill>
+                  <a:schemeClr val="tx1"/>
+                </a:solidFill>
+              </a:rPr>
+              <a:t>サーバ</a:t>
+            </a:r>
+            <a:endParaRPr kumimoji="1" lang="ja-JP" altLang="en-US" sz="800" dirty="0">
+              <a:solidFill>
+                <a:schemeClr val="tx1"/>
+              </a:solidFill>
+            </a:endParaRPr>
+          </a:p>
+        </p:txBody>
+      </p:sp>
+      <p:cxnSp>
+        <p:nvCxnSpPr>
+          <p:cNvPr id="9" name="直線コネクタ 8">
+            <a:extLst>
+              <a:ext uri="{FF2B5EF4-FFF2-40B4-BE49-F238E27FC236}">
+                <a16:creationId xmlns:a16="http://schemas.microsoft.com/office/drawing/2014/main" id="{D0FBDEF2-5E10-373A-A507-C736F048C432}"/>
+              </a:ext>
+            </a:extLst>
+          </p:cNvPr>
+          <p:cNvCxnSpPr>
+            <a:cxnSpLocks/>
+            <a:stCxn id="8" idx="2"/>
+          </p:cNvCxnSpPr>
+          <p:nvPr/>
+        </p:nvCxnSpPr>
+        <p:spPr>
+          <a:xfrm>
+            <a:off x="3924477" y="655102"/>
+            <a:ext cx="0" cy="3168000"/>
           </a:xfrm>
           <a:prstGeom prst="line">
             <a:avLst/>
@@ -4586,10 +7812,10 @@
       </p:cxnSp>
       <p:cxnSp>
         <p:nvCxnSpPr>
-          <p:cNvPr id="8" name="直線矢印コネクタ 7">
-            <a:extLst>
-              <a:ext uri="{FF2B5EF4-FFF2-40B4-BE49-F238E27FC236}">
-                <a16:creationId xmlns:a16="http://schemas.microsoft.com/office/drawing/2014/main" id="{A55D928F-5A63-0600-02D0-C9D215FF91B4}"/>
+          <p:cNvPr id="10" name="直線矢印コネクタ 9">
+            <a:extLst>
+              <a:ext uri="{FF2B5EF4-FFF2-40B4-BE49-F238E27FC236}">
+                <a16:creationId xmlns:a16="http://schemas.microsoft.com/office/drawing/2014/main" id="{E7B94E24-A0B8-1722-3386-86D7C20D77D4}"/>
               </a:ext>
             </a:extLst>
           </p:cNvPr>
@@ -4600,7 +7826,7 @@
         </p:nvCxnSpPr>
         <p:spPr>
           <a:xfrm>
-            <a:off x="4751880" y="3183993"/>
+            <a:off x="2609139" y="1455734"/>
             <a:ext cx="1260000" cy="144000"/>
           </a:xfrm>
           <a:prstGeom prst="straightConnector1">
@@ -4633,7 +7859,7 @@
           <p:cNvPr id="11" name="テキスト ボックス 10">
             <a:extLst>
               <a:ext uri="{FF2B5EF4-FFF2-40B4-BE49-F238E27FC236}">
-                <a16:creationId xmlns:a16="http://schemas.microsoft.com/office/drawing/2014/main" id="{D68683F9-4522-822A-8AC6-B547E9311D15}"/>
+                <a16:creationId xmlns:a16="http://schemas.microsoft.com/office/drawing/2014/main" id="{57939472-AD26-FEF2-0901-FCA90A7E7F58}"/>
               </a:ext>
             </a:extLst>
           </p:cNvPr>
@@ -4642,8 +7868,8 @@
         </p:nvSpPr>
         <p:spPr>
           <a:xfrm>
-            <a:off x="6055773" y="1617403"/>
-            <a:ext cx="2238113" cy="215444"/>
+            <a:off x="634177" y="1133228"/>
+            <a:ext cx="516488" cy="215444"/>
           </a:xfrm>
           <a:prstGeom prst="rect">
             <a:avLst/>
@@ -4656,63 +7882,65 @@
           </a:bodyPr>
           <a:lstStyle/>
           <a:p>
+            <a:pPr algn="r"/>
             <a:r>
               <a:rPr kumimoji="1" lang="en-US" altLang="ja-JP" sz="800" dirty="0"/>
-              <a:t>RPC</a:t>
-            </a:r>
-            <a:r>
-              <a:rPr kumimoji="1" lang="ja-JP" altLang="en-US" sz="800" dirty="0"/>
-              <a:t>サーバーの作成（アボートチャンネル）</a:t>
-            </a:r>
-          </a:p>
-        </p:txBody>
-      </p:sp>
-      <p:sp>
-        <p:nvSpPr>
-          <p:cNvPr id="12" name="テキスト ボックス 11">
-            <a:extLst>
-              <a:ext uri="{FF2B5EF4-FFF2-40B4-BE49-F238E27FC236}">
-                <a16:creationId xmlns:a16="http://schemas.microsoft.com/office/drawing/2014/main" id="{06D91405-FA91-0CDC-00A5-A4156909B9A3}"/>
-              </a:ext>
-            </a:extLst>
-          </p:cNvPr>
-          <p:cNvSpPr txBox="1"/>
-          <p:nvPr/>
-        </p:nvSpPr>
-        <p:spPr>
-          <a:xfrm>
-            <a:off x="1866961" y="3978315"/>
-            <a:ext cx="2853666" cy="215444"/>
-          </a:xfrm>
-          <a:prstGeom prst="rect">
-            <a:avLst/>
-          </a:prstGeom>
-          <a:noFill/>
-        </p:spPr>
-        <p:txBody>
-          <a:bodyPr wrap="none" rtlCol="0">
-            <a:spAutoFit/>
-          </a:bodyPr>
-          <a:lstStyle/>
-          <a:p>
-            <a:r>
-              <a:rPr lang="en-US" altLang="ja-JP" sz="800" dirty="0"/>
-              <a:t>RPC</a:t>
-            </a:r>
-            <a:r>
-              <a:rPr lang="ja-JP" altLang="en-US" sz="800" dirty="0"/>
-              <a:t>クライアント（中断チャンネル、オプション）の作成</a:t>
+              <a:t>viWrite</a:t>
             </a:r>
             <a:endParaRPr kumimoji="1" lang="ja-JP" altLang="en-US" sz="800" dirty="0"/>
           </a:p>
         </p:txBody>
       </p:sp>
-      <p:sp>
-        <p:nvSpPr>
-          <p:cNvPr id="15" name="正方形/長方形 14">
-            <a:extLst>
-              <a:ext uri="{FF2B5EF4-FFF2-40B4-BE49-F238E27FC236}">
-                <a16:creationId xmlns:a16="http://schemas.microsoft.com/office/drawing/2014/main" id="{BD4CE7FD-838D-AD35-81FB-95C5BFECA3B7}"/>
+      <p:cxnSp>
+        <p:nvCxnSpPr>
+          <p:cNvPr id="12" name="直線矢印コネクタ 11">
+            <a:extLst>
+              <a:ext uri="{FF2B5EF4-FFF2-40B4-BE49-F238E27FC236}">
+                <a16:creationId xmlns:a16="http://schemas.microsoft.com/office/drawing/2014/main" id="{BAC49AAF-1000-0E9C-9DFE-CED2A2D18DE6}"/>
+              </a:ext>
+            </a:extLst>
+          </p:cNvPr>
+          <p:cNvCxnSpPr>
+            <a:cxnSpLocks/>
+          </p:cNvCxnSpPr>
+          <p:nvPr/>
+        </p:nvCxnSpPr>
+        <p:spPr>
+          <a:xfrm flipH="1">
+            <a:off x="2609139" y="3008443"/>
+            <a:ext cx="1260000" cy="144000"/>
+          </a:xfrm>
+          <a:prstGeom prst="straightConnector1">
+            <a:avLst/>
+          </a:prstGeom>
+          <a:ln>
+            <a:solidFill>
+              <a:schemeClr val="tx1"/>
+            </a:solidFill>
+            <a:tailEnd type="triangle"/>
+          </a:ln>
+        </p:spPr>
+        <p:style>
+          <a:lnRef idx="1">
+            <a:schemeClr val="accent1"/>
+          </a:lnRef>
+          <a:fillRef idx="0">
+            <a:schemeClr val="accent1"/>
+          </a:fillRef>
+          <a:effectRef idx="0">
+            <a:schemeClr val="accent1"/>
+          </a:effectRef>
+          <a:fontRef idx="minor">
+            <a:schemeClr val="tx1"/>
+          </a:fontRef>
+        </p:style>
+      </p:cxnSp>
+      <p:sp>
+        <p:nvSpPr>
+          <p:cNvPr id="13" name="正方形/長方形 12">
+            <a:extLst>
+              <a:ext uri="{FF2B5EF4-FFF2-40B4-BE49-F238E27FC236}">
+                <a16:creationId xmlns:a16="http://schemas.microsoft.com/office/drawing/2014/main" id="{B3355D8F-3CAD-5EEF-F0D1-8D87D8A7B5D1}"/>
               </a:ext>
             </a:extLst>
           </p:cNvPr>
@@ -4721,7 +7949,7 @@
         </p:nvSpPr>
         <p:spPr>
           <a:xfrm>
-            <a:off x="5447664" y="1131861"/>
+            <a:off x="645220" y="357271"/>
             <a:ext cx="1152000" cy="288000"/>
           </a:xfrm>
           <a:prstGeom prst="rect">
@@ -4758,48 +7986,35 @@
           <a:p>
             <a:pPr algn="ctr"/>
             <a:r>
-              <a:rPr lang="en-US" altLang="ja-JP" sz="800" dirty="0">
+              <a:rPr kumimoji="1" lang="ja-JP" altLang="en-US" sz="800" dirty="0">
                 <a:solidFill>
                   <a:schemeClr val="tx1"/>
                 </a:solidFill>
               </a:rPr>
-              <a:t>VXI-11 </a:t>
-            </a:r>
-            <a:r>
-              <a:rPr lang="ja-JP" altLang="en-US" sz="800" dirty="0">
-                <a:solidFill>
-                  <a:schemeClr val="tx1"/>
-                </a:solidFill>
-              </a:rPr>
-              <a:t>サーバ</a:t>
-            </a:r>
-            <a:endParaRPr kumimoji="1" lang="ja-JP" altLang="en-US" sz="800" dirty="0">
-              <a:solidFill>
-                <a:schemeClr val="tx1"/>
-              </a:solidFill>
-            </a:endParaRPr>
+              <a:t>クライアントアプリ</a:t>
+            </a:r>
           </a:p>
         </p:txBody>
       </p:sp>
       <p:cxnSp>
         <p:nvCxnSpPr>
-          <p:cNvPr id="16" name="直線コネクタ 15">
-            <a:extLst>
-              <a:ext uri="{FF2B5EF4-FFF2-40B4-BE49-F238E27FC236}">
-                <a16:creationId xmlns:a16="http://schemas.microsoft.com/office/drawing/2014/main" id="{52B06D54-D847-599A-A63D-9D075602454D}"/>
+          <p:cNvPr id="14" name="直線コネクタ 13">
+            <a:extLst>
+              <a:ext uri="{FF2B5EF4-FFF2-40B4-BE49-F238E27FC236}">
+                <a16:creationId xmlns:a16="http://schemas.microsoft.com/office/drawing/2014/main" id="{4B18C97B-9E8C-8626-F492-AE0D84D32FE0}"/>
               </a:ext>
             </a:extLst>
           </p:cNvPr>
           <p:cNvCxnSpPr>
             <a:cxnSpLocks/>
-            <a:stCxn id="15" idx="2"/>
+            <a:stCxn id="13" idx="2"/>
           </p:cNvCxnSpPr>
           <p:nvPr/>
         </p:nvCxnSpPr>
         <p:spPr>
           <a:xfrm>
-            <a:off x="6023664" y="1419861"/>
-            <a:ext cx="0" cy="2880000"/>
+            <a:off x="1221220" y="645271"/>
+            <a:ext cx="0" cy="3168000"/>
           </a:xfrm>
           <a:prstGeom prst="line">
             <a:avLst/>
@@ -4808,6 +8023,87 @@
             <a:solidFill>
               <a:schemeClr val="tx1"/>
             </a:solidFill>
+          </a:ln>
+        </p:spPr>
+        <p:style>
+          <a:lnRef idx="1">
+            <a:schemeClr val="accent1"/>
+          </a:lnRef>
+          <a:fillRef idx="0">
+            <a:schemeClr val="accent1"/>
+          </a:fillRef>
+          <a:effectRef idx="0">
+            <a:schemeClr val="accent1"/>
+          </a:effectRef>
+          <a:fontRef idx="minor">
+            <a:schemeClr val="tx1"/>
+          </a:fontRef>
+        </p:style>
+      </p:cxnSp>
+      <p:sp>
+        <p:nvSpPr>
+          <p:cNvPr id="15" name="テキスト ボックス 14">
+            <a:extLst>
+              <a:ext uri="{FF2B5EF4-FFF2-40B4-BE49-F238E27FC236}">
+                <a16:creationId xmlns:a16="http://schemas.microsoft.com/office/drawing/2014/main" id="{65D53C2F-B813-287E-A8F6-9D1475E85C09}"/>
+              </a:ext>
+            </a:extLst>
+          </p:cNvPr>
+          <p:cNvSpPr txBox="1"/>
+          <p:nvPr/>
+        </p:nvSpPr>
+        <p:spPr>
+          <a:xfrm>
+            <a:off x="635803" y="3239140"/>
+            <a:ext cx="505267" cy="215444"/>
+          </a:xfrm>
+          <a:prstGeom prst="rect">
+            <a:avLst/>
+          </a:prstGeom>
+          <a:noFill/>
+        </p:spPr>
+        <p:txBody>
+          <a:bodyPr wrap="none" rtlCol="0">
+            <a:spAutoFit/>
+          </a:bodyPr>
+          <a:lstStyle/>
+          <a:p>
+            <a:pPr algn="r"/>
+            <a:r>
+              <a:rPr kumimoji="1" lang="en-US" altLang="ja-JP" sz="800" dirty="0"/>
+              <a:t>viRead</a:t>
+            </a:r>
+            <a:endParaRPr kumimoji="1" lang="ja-JP" altLang="en-US" sz="800" dirty="0"/>
+          </a:p>
+        </p:txBody>
+      </p:sp>
+      <p:cxnSp>
+        <p:nvCxnSpPr>
+          <p:cNvPr id="16" name="直線矢印コネクタ 15">
+            <a:extLst>
+              <a:ext uri="{FF2B5EF4-FFF2-40B4-BE49-F238E27FC236}">
+                <a16:creationId xmlns:a16="http://schemas.microsoft.com/office/drawing/2014/main" id="{72B809CB-1269-274C-F403-CB629AE60FE8}"/>
+              </a:ext>
+            </a:extLst>
+          </p:cNvPr>
+          <p:cNvCxnSpPr>
+            <a:cxnSpLocks/>
+          </p:cNvCxnSpPr>
+          <p:nvPr/>
+        </p:nvCxnSpPr>
+        <p:spPr>
+          <a:xfrm>
+            <a:off x="1274057" y="1225612"/>
+            <a:ext cx="1260000" cy="144000"/>
+          </a:xfrm>
+          <a:prstGeom prst="straightConnector1">
+            <a:avLst/>
+          </a:prstGeom>
+          <a:ln>
+            <a:solidFill>
+              <a:schemeClr val="tx1"/>
+            </a:solidFill>
+            <a:tailEnd type="triangle"/>
           </a:ln>
         </p:spPr>
         <p:style>
@@ -4827,10 +8123,10 @@
       </p:cxnSp>
       <p:cxnSp>
         <p:nvCxnSpPr>
-          <p:cNvPr id="29" name="直線矢印コネクタ 28">
-            <a:extLst>
-              <a:ext uri="{FF2B5EF4-FFF2-40B4-BE49-F238E27FC236}">
-                <a16:creationId xmlns:a16="http://schemas.microsoft.com/office/drawing/2014/main" id="{B354946A-18B9-64BF-F00C-84AA8E2C81C6}"/>
+          <p:cNvPr id="17" name="直線矢印コネクタ 16">
+            <a:extLst>
+              <a:ext uri="{FF2B5EF4-FFF2-40B4-BE49-F238E27FC236}">
+                <a16:creationId xmlns:a16="http://schemas.microsoft.com/office/drawing/2014/main" id="{CBED01AF-39EC-A5BC-0C6A-C2B341F5C922}"/>
               </a:ext>
             </a:extLst>
           </p:cNvPr>
@@ -4840,8 +8136,251 @@
           <p:nvPr/>
         </p:nvCxnSpPr>
         <p:spPr>
-          <a:xfrm>
-            <a:off x="4751880" y="2742589"/>
+          <a:xfrm flipH="1">
+            <a:off x="1237831" y="3268399"/>
+            <a:ext cx="1260000" cy="144000"/>
+          </a:xfrm>
+          <a:prstGeom prst="straightConnector1">
+            <a:avLst/>
+          </a:prstGeom>
+          <a:ln>
+            <a:solidFill>
+              <a:schemeClr val="tx1"/>
+            </a:solidFill>
+            <a:tailEnd type="triangle"/>
+          </a:ln>
+        </p:spPr>
+        <p:style>
+          <a:lnRef idx="1">
+            <a:schemeClr val="accent1"/>
+          </a:lnRef>
+          <a:fillRef idx="0">
+            <a:schemeClr val="accent1"/>
+          </a:fillRef>
+          <a:effectRef idx="0">
+            <a:schemeClr val="accent1"/>
+          </a:effectRef>
+          <a:fontRef idx="minor">
+            <a:schemeClr val="tx1"/>
+          </a:fontRef>
+        </p:style>
+      </p:cxnSp>
+      <p:sp>
+        <p:nvSpPr>
+          <p:cNvPr id="18" name="テキスト ボックス 17">
+            <a:extLst>
+              <a:ext uri="{FF2B5EF4-FFF2-40B4-BE49-F238E27FC236}">
+                <a16:creationId xmlns:a16="http://schemas.microsoft.com/office/drawing/2014/main" id="{7D16F940-83AC-757B-55F3-D9334C3F4C46}"/>
+              </a:ext>
+            </a:extLst>
+          </p:cNvPr>
+          <p:cNvSpPr txBox="1"/>
+          <p:nvPr/>
+        </p:nvSpPr>
+        <p:spPr>
+          <a:xfrm>
+            <a:off x="2685943" y="2813174"/>
+            <a:ext cx="1106393" cy="215444"/>
+          </a:xfrm>
+          <a:prstGeom prst="rect">
+            <a:avLst/>
+          </a:prstGeom>
+          <a:noFill/>
+        </p:spPr>
+        <p:txBody>
+          <a:bodyPr wrap="none" rtlCol="0">
+            <a:spAutoFit/>
+          </a:bodyPr>
+          <a:lstStyle/>
+          <a:p>
+            <a:r>
+              <a:rPr kumimoji="1" lang="en-US" altLang="ja-JP" sz="800" dirty="0"/>
+              <a:t>Response w/ RMT</a:t>
+            </a:r>
+            <a:endParaRPr kumimoji="1" lang="ja-JP" altLang="en-US" sz="800" dirty="0"/>
+          </a:p>
+        </p:txBody>
+      </p:sp>
+      <p:sp>
+        <p:nvSpPr>
+          <p:cNvPr id="19" name="爆発: 14 pt 18">
+            <a:extLst>
+              <a:ext uri="{FF2B5EF4-FFF2-40B4-BE49-F238E27FC236}">
+                <a16:creationId xmlns:a16="http://schemas.microsoft.com/office/drawing/2014/main" id="{AD63D19A-E85B-C95F-6B16-B7C240EFF651}"/>
+              </a:ext>
+            </a:extLst>
+          </p:cNvPr>
+          <p:cNvSpPr/>
+          <p:nvPr/>
+        </p:nvSpPr>
+        <p:spPr>
+          <a:xfrm>
+            <a:off x="3991330" y="2254143"/>
+            <a:ext cx="180000" cy="180000"/>
+          </a:xfrm>
+          <a:prstGeom prst="irregularSeal2">
+            <a:avLst/>
+          </a:prstGeom>
+        </p:spPr>
+        <p:style>
+          <a:lnRef idx="2">
+            <a:schemeClr val="accent2">
+              <a:shade val="50000"/>
+            </a:schemeClr>
+          </a:lnRef>
+          <a:fillRef idx="1">
+            <a:schemeClr val="accent2"/>
+          </a:fillRef>
+          <a:effectRef idx="0">
+            <a:schemeClr val="accent2"/>
+          </a:effectRef>
+          <a:fontRef idx="minor">
+            <a:schemeClr val="lt1"/>
+          </a:fontRef>
+        </p:style>
+        <p:txBody>
+          <a:bodyPr rtlCol="0" anchor="ctr"/>
+          <a:lstStyle/>
+          <a:p>
+            <a:pPr algn="ctr"/>
+            <a:endParaRPr kumimoji="1" lang="ja-JP" altLang="en-US" dirty="0"/>
+          </a:p>
+        </p:txBody>
+      </p:sp>
+      <p:sp>
+        <p:nvSpPr>
+          <p:cNvPr id="20" name="テキスト ボックス 19">
+            <a:extLst>
+              <a:ext uri="{FF2B5EF4-FFF2-40B4-BE49-F238E27FC236}">
+                <a16:creationId xmlns:a16="http://schemas.microsoft.com/office/drawing/2014/main" id="{87B81264-E90A-2498-5596-5528B6912F0C}"/>
+              </a:ext>
+            </a:extLst>
+          </p:cNvPr>
+          <p:cNvSpPr txBox="1"/>
+          <p:nvPr/>
+        </p:nvSpPr>
+        <p:spPr>
+          <a:xfrm>
+            <a:off x="2524226" y="1815549"/>
+            <a:ext cx="1309974" cy="215444"/>
+          </a:xfrm>
+          <a:prstGeom prst="rect">
+            <a:avLst/>
+          </a:prstGeom>
+          <a:noFill/>
+        </p:spPr>
+        <p:txBody>
+          <a:bodyPr wrap="none" rtlCol="0">
+            <a:spAutoFit/>
+          </a:bodyPr>
+          <a:lstStyle/>
+          <a:p>
+            <a:r>
+              <a:rPr kumimoji="1" lang="en-US" altLang="ja-JP" sz="800" dirty="0"/>
+              <a:t>Query w/ eom(no RMT)</a:t>
+            </a:r>
+            <a:endParaRPr kumimoji="1" lang="ja-JP" altLang="en-US" sz="800" dirty="0"/>
+          </a:p>
+        </p:txBody>
+      </p:sp>
+      <p:cxnSp>
+        <p:nvCxnSpPr>
+          <p:cNvPr id="21" name="直線矢印コネクタ 20">
+            <a:extLst>
+              <a:ext uri="{FF2B5EF4-FFF2-40B4-BE49-F238E27FC236}">
+                <a16:creationId xmlns:a16="http://schemas.microsoft.com/office/drawing/2014/main" id="{73F6EA0E-5F4D-184E-2C64-64E0E0BDFC6A}"/>
+              </a:ext>
+            </a:extLst>
+          </p:cNvPr>
+          <p:cNvCxnSpPr>
+            <a:cxnSpLocks/>
+          </p:cNvCxnSpPr>
+          <p:nvPr/>
+        </p:nvCxnSpPr>
+        <p:spPr>
+          <a:xfrm>
+            <a:off x="2580564" y="2084384"/>
+            <a:ext cx="1260000" cy="144000"/>
+          </a:xfrm>
+          <a:prstGeom prst="straightConnector1">
+            <a:avLst/>
+          </a:prstGeom>
+          <a:ln>
+            <a:solidFill>
+              <a:schemeClr val="tx1"/>
+            </a:solidFill>
+            <a:tailEnd type="triangle"/>
+          </a:ln>
+        </p:spPr>
+        <p:style>
+          <a:lnRef idx="1">
+            <a:schemeClr val="accent1"/>
+          </a:lnRef>
+          <a:fillRef idx="0">
+            <a:schemeClr val="accent1"/>
+          </a:fillRef>
+          <a:effectRef idx="0">
+            <a:schemeClr val="accent1"/>
+          </a:effectRef>
+          <a:fontRef idx="minor">
+            <a:schemeClr val="tx1"/>
+          </a:fontRef>
+        </p:style>
+      </p:cxnSp>
+      <p:sp>
+        <p:nvSpPr>
+          <p:cNvPr id="22" name="テキスト ボックス 21">
+            <a:extLst>
+              <a:ext uri="{FF2B5EF4-FFF2-40B4-BE49-F238E27FC236}">
+                <a16:creationId xmlns:a16="http://schemas.microsoft.com/office/drawing/2014/main" id="{E5490D6F-4431-F097-553D-2A8A5C032879}"/>
+              </a:ext>
+            </a:extLst>
+          </p:cNvPr>
+          <p:cNvSpPr txBox="1"/>
+          <p:nvPr/>
+        </p:nvSpPr>
+        <p:spPr>
+          <a:xfrm>
+            <a:off x="605602" y="1761878"/>
+            <a:ext cx="516488" cy="215444"/>
+          </a:xfrm>
+          <a:prstGeom prst="rect">
+            <a:avLst/>
+          </a:prstGeom>
+          <a:noFill/>
+        </p:spPr>
+        <p:txBody>
+          <a:bodyPr wrap="none" rtlCol="0">
+            <a:spAutoFit/>
+          </a:bodyPr>
+          <a:lstStyle/>
+          <a:p>
+            <a:pPr algn="r"/>
+            <a:r>
+              <a:rPr kumimoji="1" lang="en-US" altLang="ja-JP" sz="800" dirty="0"/>
+              <a:t>viWrite</a:t>
+            </a:r>
+            <a:endParaRPr kumimoji="1" lang="ja-JP" altLang="en-US" sz="800" dirty="0"/>
+          </a:p>
+        </p:txBody>
+      </p:sp>
+      <p:cxnSp>
+        <p:nvCxnSpPr>
+          <p:cNvPr id="23" name="直線矢印コネクタ 22">
+            <a:extLst>
+              <a:ext uri="{FF2B5EF4-FFF2-40B4-BE49-F238E27FC236}">
+                <a16:creationId xmlns:a16="http://schemas.microsoft.com/office/drawing/2014/main" id="{994A429E-5843-6656-77BD-8EB2187BDB93}"/>
+              </a:ext>
+            </a:extLst>
+          </p:cNvPr>
+          <p:cNvCxnSpPr>
+            <a:cxnSpLocks/>
+          </p:cNvCxnSpPr>
+          <p:nvPr/>
+        </p:nvCxnSpPr>
+        <p:spPr>
+          <a:xfrm>
+            <a:off x="1245482" y="1854262"/>
             <a:ext cx="1260000" cy="144000"/>
           </a:xfrm>
           <a:prstGeom prst="straightConnector1">
@@ -4871,10 +8410,10 @@
       </p:cxnSp>
       <p:cxnSp>
         <p:nvCxnSpPr>
-          <p:cNvPr id="30" name="直線矢印コネクタ 29">
-            <a:extLst>
-              <a:ext uri="{FF2B5EF4-FFF2-40B4-BE49-F238E27FC236}">
-                <a16:creationId xmlns:a16="http://schemas.microsoft.com/office/drawing/2014/main" id="{B4C326C5-4B12-DB4C-A669-40564ABB03BD}"/>
+          <p:cNvPr id="26" name="直線矢印コネクタ 25">
+            <a:extLst>
+              <a:ext uri="{FF2B5EF4-FFF2-40B4-BE49-F238E27FC236}">
+                <a16:creationId xmlns:a16="http://schemas.microsoft.com/office/drawing/2014/main" id="{D0BD47BA-065A-33FE-B868-BF716FAD5F6B}"/>
               </a:ext>
             </a:extLst>
           </p:cNvPr>
@@ -4884,9 +8423,9 @@
           <p:nvPr/>
         </p:nvCxnSpPr>
         <p:spPr>
-          <a:xfrm>
-            <a:off x="4751880" y="4032158"/>
-            <a:ext cx="1260000" cy="144000"/>
+          <a:xfrm flipH="1">
+            <a:off x="2590089" y="1786520"/>
+            <a:ext cx="1260000" cy="432000"/>
           </a:xfrm>
           <a:prstGeom prst="straightConnector1">
             <a:avLst/>
@@ -4915,10 +8454,10 @@
       </p:cxnSp>
       <p:sp>
         <p:nvSpPr>
-          <p:cNvPr id="42" name="テキスト ボックス 41">
-            <a:extLst>
-              <a:ext uri="{FF2B5EF4-FFF2-40B4-BE49-F238E27FC236}">
-                <a16:creationId xmlns:a16="http://schemas.microsoft.com/office/drawing/2014/main" id="{E6E663B3-9E23-DCB0-8448-BF2F826D1889}"/>
+          <p:cNvPr id="27" name="テキスト ボックス 26">
+            <a:extLst>
+              <a:ext uri="{FF2B5EF4-FFF2-40B4-BE49-F238E27FC236}">
+                <a16:creationId xmlns:a16="http://schemas.microsoft.com/office/drawing/2014/main" id="{54D16116-F970-36C4-3BCA-B7D508257136}"/>
               </a:ext>
             </a:extLst>
           </p:cNvPr>
@@ -4927,8 +8466,8 @@
         </p:nvSpPr>
         <p:spPr>
           <a:xfrm>
-            <a:off x="6055773" y="1897987"/>
-            <a:ext cx="2032929" cy="215444"/>
+            <a:off x="2554507" y="2350582"/>
+            <a:ext cx="1066318" cy="215444"/>
           </a:xfrm>
           <a:prstGeom prst="rect">
             <a:avLst/>
@@ -4941,14 +8480,9 @@
           </a:bodyPr>
           <a:lstStyle/>
           <a:p>
-            <a:pPr algn="r"/>
-            <a:r>
-              <a:rPr lang="en-US" altLang="ja-JP" sz="800" dirty="0"/>
-              <a:t>RPC</a:t>
-            </a:r>
-            <a:r>
-              <a:rPr lang="ja-JP" altLang="en-US" sz="800" dirty="0"/>
-              <a:t>サーバーの作成（コアチャンネル）</a:t>
+            <a:r>
+              <a:rPr kumimoji="1" lang="en-US" altLang="ja-JP" sz="800" dirty="0"/>
+              <a:t>Response w/ RMT</a:t>
             </a:r>
             <a:endParaRPr kumimoji="1" lang="ja-JP" altLang="en-US" sz="800" dirty="0"/>
           </a:p>
@@ -4956,249 +8490,54 @@
       </p:sp>
       <p:sp>
         <p:nvSpPr>
-          <p:cNvPr id="43" name="テキスト ボックス 42">
-            <a:extLst>
-              <a:ext uri="{FF2B5EF4-FFF2-40B4-BE49-F238E27FC236}">
-                <a16:creationId xmlns:a16="http://schemas.microsoft.com/office/drawing/2014/main" id="{604B7F58-CE75-1216-F743-1F846266412E}"/>
-              </a:ext>
-            </a:extLst>
-          </p:cNvPr>
-          <p:cNvSpPr txBox="1"/>
-          <p:nvPr/>
-        </p:nvSpPr>
-        <p:spPr>
-          <a:xfrm>
-            <a:off x="6031692" y="3369489"/>
-            <a:ext cx="2337499" cy="215444"/>
-          </a:xfrm>
-          <a:prstGeom prst="rect">
-            <a:avLst/>
-          </a:prstGeom>
-          <a:noFill/>
-        </p:spPr>
-        <p:txBody>
-          <a:bodyPr wrap="none" rtlCol="0">
-            <a:spAutoFit/>
-          </a:bodyPr>
-          <a:lstStyle/>
-          <a:p>
-            <a:pPr algn="r"/>
-            <a:r>
-              <a:rPr kumimoji="1" lang="en-US" altLang="ja-JP" sz="800" dirty="0"/>
-              <a:t>create_link(1)</a:t>
-            </a:r>
-            <a:r>
-              <a:rPr kumimoji="1" lang="ja-JP" altLang="en-US" sz="800" dirty="0"/>
-              <a:t>に応答して、中断ポート</a:t>
-            </a:r>
-            <a:r>
-              <a:rPr kumimoji="1" lang="en-US" altLang="ja-JP" sz="800" dirty="0"/>
-              <a:t>#</a:t>
-            </a:r>
-            <a:r>
-              <a:rPr kumimoji="1" lang="ja-JP" altLang="en-US" sz="800" dirty="0"/>
-              <a:t>を返す</a:t>
-            </a:r>
-          </a:p>
-        </p:txBody>
-      </p:sp>
-      <p:sp>
-        <p:nvSpPr>
-          <p:cNvPr id="47" name="テキスト ボックス 46">
-            <a:extLst>
-              <a:ext uri="{FF2B5EF4-FFF2-40B4-BE49-F238E27FC236}">
-                <a16:creationId xmlns:a16="http://schemas.microsoft.com/office/drawing/2014/main" id="{FC079A1D-777D-0A86-9DB9-2D22860FA840}"/>
-              </a:ext>
-            </a:extLst>
-          </p:cNvPr>
-          <p:cNvSpPr txBox="1"/>
-          <p:nvPr/>
-        </p:nvSpPr>
-        <p:spPr>
-          <a:xfrm>
-            <a:off x="2482514" y="2617696"/>
-            <a:ext cx="2238113" cy="215444"/>
-          </a:xfrm>
-          <a:prstGeom prst="rect">
-            <a:avLst/>
-          </a:prstGeom>
-          <a:noFill/>
-        </p:spPr>
-        <p:txBody>
-          <a:bodyPr wrap="none" rtlCol="0">
-            <a:spAutoFit/>
-          </a:bodyPr>
-          <a:lstStyle/>
-          <a:p>
-            <a:pPr algn="r"/>
-            <a:r>
-              <a:rPr kumimoji="1" lang="en-US" altLang="ja-JP" sz="800" dirty="0"/>
-              <a:t>RPC</a:t>
-            </a:r>
-            <a:r>
-              <a:rPr kumimoji="1" lang="ja-JP" altLang="en-US" sz="800" dirty="0"/>
-              <a:t>クライアント（コアチャンネル）の作成</a:t>
-            </a:r>
-          </a:p>
-        </p:txBody>
-      </p:sp>
-      <p:sp>
-        <p:nvSpPr>
-          <p:cNvPr id="48" name="テキスト ボックス 47">
-            <a:extLst>
-              <a:ext uri="{FF2B5EF4-FFF2-40B4-BE49-F238E27FC236}">
-                <a16:creationId xmlns:a16="http://schemas.microsoft.com/office/drawing/2014/main" id="{5B661C8F-ECAF-F57B-5777-67274056E99A}"/>
-              </a:ext>
-            </a:extLst>
-          </p:cNvPr>
-          <p:cNvSpPr txBox="1"/>
-          <p:nvPr/>
-        </p:nvSpPr>
-        <p:spPr>
-          <a:xfrm>
-            <a:off x="6055773" y="2158273"/>
-            <a:ext cx="2236510" cy="215444"/>
-          </a:xfrm>
-          <a:prstGeom prst="rect">
-            <a:avLst/>
-          </a:prstGeom>
-          <a:noFill/>
-        </p:spPr>
-        <p:txBody>
-          <a:bodyPr wrap="none" rtlCol="0">
-            <a:spAutoFit/>
-          </a:bodyPr>
-          <a:lstStyle/>
-          <a:p>
-            <a:r>
-              <a:rPr kumimoji="1" lang="ja-JP" altLang="en-US" sz="800" dirty="0"/>
-              <a:t>ポートマッパーにコアチャンネルを登録する</a:t>
-            </a:r>
-          </a:p>
-        </p:txBody>
-      </p:sp>
-      <p:sp>
-        <p:nvSpPr>
-          <p:cNvPr id="50" name="テキスト ボックス 49">
-            <a:extLst>
-              <a:ext uri="{FF2B5EF4-FFF2-40B4-BE49-F238E27FC236}">
-                <a16:creationId xmlns:a16="http://schemas.microsoft.com/office/drawing/2014/main" id="{0EAE163A-FA3F-13F0-4804-5964F06DF1C1}"/>
-              </a:ext>
-            </a:extLst>
-          </p:cNvPr>
-          <p:cNvSpPr txBox="1"/>
-          <p:nvPr/>
-        </p:nvSpPr>
-        <p:spPr>
-          <a:xfrm>
-            <a:off x="6055773" y="2438857"/>
-            <a:ext cx="1723550" cy="215444"/>
-          </a:xfrm>
-          <a:prstGeom prst="rect">
-            <a:avLst/>
-          </a:prstGeom>
-          <a:noFill/>
-        </p:spPr>
-        <p:txBody>
-          <a:bodyPr wrap="none" rtlCol="0">
-            <a:spAutoFit/>
-          </a:bodyPr>
-          <a:lstStyle/>
-          <a:p>
-            <a:pPr algn="r"/>
-            <a:r>
-              <a:rPr lang="ja-JP" altLang="en-US" sz="800" dirty="0"/>
-              <a:t>接続要求を受け入れる準備をする</a:t>
-            </a:r>
-            <a:endParaRPr kumimoji="1" lang="ja-JP" altLang="en-US" sz="800" dirty="0"/>
-          </a:p>
-        </p:txBody>
-      </p:sp>
-      <p:sp>
-        <p:nvSpPr>
-          <p:cNvPr id="52" name="テキスト ボックス 51">
-            <a:extLst>
-              <a:ext uri="{FF2B5EF4-FFF2-40B4-BE49-F238E27FC236}">
-                <a16:creationId xmlns:a16="http://schemas.microsoft.com/office/drawing/2014/main" id="{AD036888-FFC0-A1BD-7155-D51C8098DF78}"/>
-              </a:ext>
-            </a:extLst>
-          </p:cNvPr>
-          <p:cNvSpPr txBox="1"/>
-          <p:nvPr/>
-        </p:nvSpPr>
-        <p:spPr>
-          <a:xfrm>
-            <a:off x="3878729" y="3044749"/>
-            <a:ext cx="841898" cy="215444"/>
-          </a:xfrm>
-          <a:prstGeom prst="rect">
-            <a:avLst/>
-          </a:prstGeom>
-          <a:noFill/>
-        </p:spPr>
-        <p:txBody>
-          <a:bodyPr wrap="none" rtlCol="0">
-            <a:spAutoFit/>
-          </a:bodyPr>
-          <a:lstStyle/>
-          <a:p>
-            <a:pPr algn="r"/>
-            <a:r>
-              <a:rPr kumimoji="1" lang="en-US" altLang="ja-JP" sz="800" dirty="0"/>
-              <a:t>create_link(1)</a:t>
-            </a:r>
-            <a:endParaRPr kumimoji="1" lang="ja-JP" altLang="en-US" sz="800" dirty="0"/>
-          </a:p>
-        </p:txBody>
-      </p:sp>
-      <p:cxnSp>
-        <p:nvCxnSpPr>
-          <p:cNvPr id="53" name="直線矢印コネクタ 52">
-            <a:extLst>
-              <a:ext uri="{FF2B5EF4-FFF2-40B4-BE49-F238E27FC236}">
-                <a16:creationId xmlns:a16="http://schemas.microsoft.com/office/drawing/2014/main" id="{D7DB7196-14B4-5C22-F8EF-DBE675F9FAA4}"/>
-              </a:ext>
-            </a:extLst>
-          </p:cNvPr>
-          <p:cNvCxnSpPr>
-            <a:cxnSpLocks/>
-          </p:cNvCxnSpPr>
-          <p:nvPr/>
-        </p:nvCxnSpPr>
-        <p:spPr>
-          <a:xfrm flipH="1">
-            <a:off x="4751880" y="3554127"/>
-            <a:ext cx="1260000" cy="144000"/>
-          </a:xfrm>
-          <a:prstGeom prst="straightConnector1">
-            <a:avLst/>
-          </a:prstGeom>
-          <a:ln>
-            <a:solidFill>
-              <a:schemeClr val="tx1"/>
-            </a:solidFill>
-            <a:tailEnd type="triangle"/>
-          </a:ln>
+          <p:cNvPr id="28" name="爆発: 14 pt 27">
+            <a:extLst>
+              <a:ext uri="{FF2B5EF4-FFF2-40B4-BE49-F238E27FC236}">
+                <a16:creationId xmlns:a16="http://schemas.microsoft.com/office/drawing/2014/main" id="{2079BAC2-AA9E-4037-B93E-E59F9A8AEE1A}"/>
+              </a:ext>
+            </a:extLst>
+          </p:cNvPr>
+          <p:cNvSpPr/>
+          <p:nvPr/>
+        </p:nvSpPr>
+        <p:spPr>
+          <a:xfrm>
+            <a:off x="2276830" y="2244618"/>
+            <a:ext cx="180000" cy="180000"/>
+          </a:xfrm>
+          <a:prstGeom prst="irregularSeal2">
+            <a:avLst/>
+          </a:prstGeom>
         </p:spPr>
         <p:style>
-          <a:lnRef idx="1">
-            <a:schemeClr val="accent1"/>
+          <a:lnRef idx="2">
+            <a:schemeClr val="accent2">
+              <a:shade val="50000"/>
+            </a:schemeClr>
           </a:lnRef>
-          <a:fillRef idx="0">
-            <a:schemeClr val="accent1"/>
+          <a:fillRef idx="1">
+            <a:schemeClr val="accent2"/>
           </a:fillRef>
           <a:effectRef idx="0">
-            <a:schemeClr val="accent1"/>
+            <a:schemeClr val="accent2"/>
           </a:effectRef>
           <a:fontRef idx="minor">
-            <a:schemeClr val="tx1"/>
+            <a:schemeClr val="lt1"/>
           </a:fontRef>
         </p:style>
-      </p:cxnSp>
+        <p:txBody>
+          <a:bodyPr rtlCol="0" anchor="ctr"/>
+          <a:lstStyle/>
+          <a:p>
+            <a:pPr algn="ctr"/>
+            <a:endParaRPr kumimoji="1" lang="ja-JP" altLang="en-US" dirty="0"/>
+          </a:p>
+        </p:txBody>
+      </p:sp>
     </p:spTree>
     <p:extLst>
       <p:ext uri="{BB962C8B-B14F-4D97-AF65-F5344CB8AC3E}">
-        <p14:creationId xmlns:p14="http://schemas.microsoft.com/office/powerpoint/2010/main" val="2937838769"/>
+        <p14:creationId xmlns:p14="http://schemas.microsoft.com/office/powerpoint/2010/main" val="3600944047"/>
       </p:ext>
     </p:extLst>
   </p:cSld>
